--- a/units/unit00_course_intro/course_intro.pptx
+++ b/units/unit00_course_intro/course_intro.pptx
@@ -5,7 +5,7 @@
     <p:sldMasterId id="2147483648" r:id="rId1"/>
   </p:sldMasterIdLst>
   <p:notesMasterIdLst>
-    <p:notesMasterId r:id="rId28"/>
+    <p:notesMasterId r:id="rId31"/>
   </p:notesMasterIdLst>
   <p:sldIdLst>
     <p:sldId id="258" r:id="rId2"/>
@@ -20,20 +20,23 @@
     <p:sldId id="337" r:id="rId11"/>
     <p:sldId id="333" r:id="rId12"/>
     <p:sldId id="334" r:id="rId13"/>
-    <p:sldId id="335" r:id="rId14"/>
-    <p:sldId id="336" r:id="rId15"/>
-    <p:sldId id="329" r:id="rId16"/>
-    <p:sldId id="272" r:id="rId17"/>
-    <p:sldId id="273" r:id="rId18"/>
-    <p:sldId id="341" r:id="rId19"/>
-    <p:sldId id="340" r:id="rId20"/>
-    <p:sldId id="342" r:id="rId21"/>
-    <p:sldId id="344" r:id="rId22"/>
-    <p:sldId id="343" r:id="rId23"/>
-    <p:sldId id="345" r:id="rId24"/>
-    <p:sldId id="338" r:id="rId25"/>
-    <p:sldId id="339" r:id="rId26"/>
-    <p:sldId id="274" r:id="rId27"/>
+    <p:sldId id="346" r:id="rId14"/>
+    <p:sldId id="335" r:id="rId15"/>
+    <p:sldId id="336" r:id="rId16"/>
+    <p:sldId id="329" r:id="rId17"/>
+    <p:sldId id="272" r:id="rId18"/>
+    <p:sldId id="273" r:id="rId19"/>
+    <p:sldId id="341" r:id="rId20"/>
+    <p:sldId id="340" r:id="rId21"/>
+    <p:sldId id="342" r:id="rId22"/>
+    <p:sldId id="344" r:id="rId23"/>
+    <p:sldId id="343" r:id="rId24"/>
+    <p:sldId id="347" r:id="rId25"/>
+    <p:sldId id="345" r:id="rId26"/>
+    <p:sldId id="338" r:id="rId27"/>
+    <p:sldId id="348" r:id="rId28"/>
+    <p:sldId id="339" r:id="rId29"/>
+    <p:sldId id="274" r:id="rId30"/>
   </p:sldIdLst>
   <p:sldSz cx="12192000" cy="6858000"/>
   <p:notesSz cx="7315200" cy="9601200"/>
@@ -233,7 +236,7 @@
           <a:p>
             <a:fld id="{B7D6DDD3-D7E9-488B-B626-1E8285E424D8}" type="datetimeFigureOut">
               <a:rPr lang="en-US" smtClean="0"/>
-              <a:t>1/7/2026</a:t>
+              <a:t>1/19/2026</a:t>
             </a:fld>
             <a:endParaRPr lang="en-US"/>
           </a:p>
@@ -4063,7 +4066,7 @@
           <a:p>
             <a:r>
               <a:rPr lang="en-US" dirty="0"/>
-              <a:t>EL-GY6143:  Introduction to Hardware Design</a:t>
+              <a:t>Ece-GY 9463:  Introduction to Hardware Design</a:t>
             </a:r>
           </a:p>
           <a:p>
@@ -4480,7 +4483,7 @@
             <p:ph idx="1"/>
             <p:extLst>
               <p:ext uri="{D42A27DB-BD31-4B8C-83A1-F6EECF244321}">
-                <p14:modId xmlns:p14="http://schemas.microsoft.com/office/powerpoint/2010/main" val="3948087082"/>
+                <p14:modId xmlns:p14="http://schemas.microsoft.com/office/powerpoint/2010/main" val="2970400399"/>
               </p:ext>
             </p:extLst>
           </p:nvPr>
@@ -4697,10 +4700,10 @@
                         <a:buNone/>
                       </a:pPr>
                       <a:r>
-                        <a:rPr lang="en-US" sz="2000">
+                        <a:rPr lang="en-US" sz="2000" dirty="0">
                           <a:effectLst/>
                         </a:rPr>
-                        <a:t>Unit 2. Bus basics and processor interface</a:t>
+                        <a:t>Unit 2. Arithmetic representations</a:t>
                       </a:r>
                     </a:p>
                   </a:txBody>
@@ -4758,10 +4761,10 @@
                         <a:buNone/>
                       </a:pPr>
                       <a:r>
-                        <a:rPr lang="en-US" sz="2000">
+                        <a:rPr lang="en-US" sz="2000" dirty="0">
                           <a:effectLst/>
                         </a:rPr>
-                        <a:t>Unit 3. FIFO interfaces</a:t>
+                        <a:t>Unit 3. Bus basics and processor interface</a:t>
                       </a:r>
                     </a:p>
                   </a:txBody>
@@ -4822,7 +4825,7 @@
                         <a:rPr lang="en-US" sz="2000" dirty="0">
                           <a:effectLst/>
                         </a:rPr>
-                        <a:t>Unit 4. Loop optimization</a:t>
+                        <a:t>Unit 4. FIFO and streaming interfaces</a:t>
                       </a:r>
                     </a:p>
                   </a:txBody>
@@ -4883,7 +4886,7 @@
                         <a:rPr lang="en-US" sz="2000" dirty="0">
                           <a:effectLst/>
                         </a:rPr>
-                        <a:t>Unit 5. Arithmetic representation and hardware units</a:t>
+                        <a:t>Unit 5. Timing analysis</a:t>
                       </a:r>
                     </a:p>
                   </a:txBody>
@@ -4944,7 +4947,7 @@
                         <a:rPr lang="en-US" sz="2000" dirty="0">
                           <a:effectLst/>
                         </a:rPr>
-                        <a:t>Unit 6. Systolic Arrays</a:t>
+                        <a:t>Unit 6. Loop optimization </a:t>
                       </a:r>
                     </a:p>
                   </a:txBody>
@@ -5206,7 +5209,7 @@
             <p:ph idx="1"/>
             <p:extLst>
               <p:ext uri="{D42A27DB-BD31-4B8C-83A1-F6EECF244321}">
-                <p14:modId xmlns:p14="http://schemas.microsoft.com/office/powerpoint/2010/main" val="3662468264"/>
+                <p14:modId xmlns:p14="http://schemas.microsoft.com/office/powerpoint/2010/main" val="1767267486"/>
               </p:ext>
             </p:extLst>
           </p:nvPr>
@@ -5351,7 +5354,7 @@
                         <a:buNone/>
                       </a:pPr>
                       <a:r>
-                        <a:rPr lang="en-US" sz="2000">
+                        <a:rPr lang="en-US" sz="2000" dirty="0">
                           <a:effectLst/>
                         </a:rPr>
                         <a:t>Spring Break- No class</a:t>
@@ -5412,10 +5415,10 @@
                         <a:buNone/>
                       </a:pPr>
                       <a:r>
-                        <a:rPr lang="en-US" sz="2000">
+                        <a:rPr lang="en-US" sz="2000" dirty="0">
                           <a:effectLst/>
                         </a:rPr>
-                        <a:t>Unit 7. Shared memory and the load-store compute pattern</a:t>
+                        <a:t>Unit 6. FIR filters and systolic arrays</a:t>
                       </a:r>
                     </a:p>
                   </a:txBody>
@@ -5473,10 +5476,10 @@
                         <a:buNone/>
                       </a:pPr>
                       <a:r>
-                        <a:rPr lang="en-US" sz="2000">
+                        <a:rPr lang="en-US" sz="2000" dirty="0">
                           <a:effectLst/>
                         </a:rPr>
-                        <a:t>Unit 8. FIR filters and convolutional layers</a:t>
+                        <a:t>Unit 7. Shared memory and the load-store compute pattern</a:t>
                       </a:r>
                     </a:p>
                   </a:txBody>
@@ -5534,10 +5537,10 @@
                         <a:buNone/>
                       </a:pPr>
                       <a:r>
-                        <a:rPr lang="en-US" sz="2000">
+                        <a:rPr lang="en-US" sz="2000" dirty="0">
                           <a:effectLst/>
                         </a:rPr>
-                        <a:t>Unit 9. Multi-threaded control</a:t>
+                        <a:t>Unit 8. Multi-threaded control</a:t>
                       </a:r>
                     </a:p>
                   </a:txBody>
@@ -5595,7 +5598,7 @@
                         <a:buNone/>
                       </a:pPr>
                       <a:r>
-                        <a:rPr lang="en-US" sz="2000">
+                        <a:rPr lang="en-US" sz="2000" dirty="0">
                           <a:effectLst/>
                         </a:rPr>
                         <a:t>Unit 10. Multiple processes and message passing architectures</a:t>
@@ -5888,7 +5891,7 @@
           <p:cNvPr id="2" name="Title 1">
             <a:extLst>
               <a:ext uri="{FF2B5EF4-FFF2-40B4-BE49-F238E27FC236}">
-                <a16:creationId xmlns:a16="http://schemas.microsoft.com/office/drawing/2014/main" id="{ED15BDE0-DB38-CCE7-08CF-D58ABC2828FD}"/>
+                <a16:creationId xmlns:a16="http://schemas.microsoft.com/office/drawing/2014/main" id="{B1FFA4C1-71AC-123B-B99F-699DEB5D92CF}"/>
               </a:ext>
             </a:extLst>
           </p:cNvPr>
@@ -5906,8 +5909,13 @@
           <a:p>
             <a:r>
               <a:rPr lang="en-US" dirty="0"/>
-              <a:t>Project</a:t>
-            </a:r>
+              <a:t>AI </a:t>
+            </a:r>
+            <a:r>
+              <a:rPr lang="en-US" dirty="0" err="1"/>
+              <a:t>Autograder</a:t>
+            </a:r>
+            <a:endParaRPr lang="en-US" dirty="0"/>
           </a:p>
         </p:txBody>
       </p:sp>
@@ -5916,7 +5924,7 @@
           <p:cNvPr id="3" name="Content Placeholder 2">
             <a:extLst>
               <a:ext uri="{FF2B5EF4-FFF2-40B4-BE49-F238E27FC236}">
-                <a16:creationId xmlns:a16="http://schemas.microsoft.com/office/drawing/2014/main" id="{0AA42AEA-049B-D207-24AB-B2B8F15C2808}"/>
+                <a16:creationId xmlns:a16="http://schemas.microsoft.com/office/drawing/2014/main" id="{4130ADDC-09C9-7DE9-3FE9-C059D43BFD30}"/>
               </a:ext>
             </a:extLst>
           </p:cNvPr>
@@ -5930,7 +5938,7 @@
         <p:spPr>
           <a:xfrm>
             <a:off x="1097280" y="1539277"/>
-            <a:ext cx="6733953" cy="4329817"/>
+            <a:ext cx="5070862" cy="4329817"/>
           </a:xfrm>
         </p:spPr>
         <p:txBody>
@@ -5939,71 +5947,82 @@
           <a:p>
             <a:r>
               <a:rPr lang="en-US" dirty="0"/>
-              <a:t>Build your own IP</a:t>
-            </a:r>
-          </a:p>
-          <a:p>
-            <a:r>
-              <a:rPr lang="en-US" dirty="0"/>
-              <a:t>You must provide:</a:t>
+              <a:t>An </a:t>
+            </a:r>
+            <a:r>
+              <a:rPr lang="en-US" dirty="0">
+                <a:hlinkClick r:id="rId2"/>
+              </a:rPr>
+              <a:t>LLM-automated grader</a:t>
+            </a:r>
+            <a:endParaRPr lang="en-US" dirty="0"/>
+          </a:p>
+          <a:p>
+            <a:r>
+              <a:rPr lang="en-US" dirty="0"/>
+              <a:t>Will use for:</a:t>
             </a:r>
           </a:p>
           <a:p>
             <a:pPr lvl="1"/>
             <a:r>
               <a:rPr lang="en-US" dirty="0"/>
-              <a:t>A clearly defined hardware IP block (RTL or HLS)</a:t>
+              <a:t>In class exercises</a:t>
             </a:r>
           </a:p>
           <a:p>
             <a:pPr lvl="1"/>
             <a:r>
               <a:rPr lang="en-US" dirty="0"/>
-              <a:t>A well‑specified interface and integration model with a host system</a:t>
+              <a:t>For </a:t>
+            </a:r>
+            <a:r>
+              <a:rPr lang="en-US" dirty="0" err="1"/>
+              <a:t>Gradescrope</a:t>
+            </a:r>
+            <a:r>
+              <a:rPr lang="en-US" dirty="0"/>
+              <a:t> submissions</a:t>
+            </a:r>
+          </a:p>
+          <a:p>
+            <a:r>
+              <a:rPr lang="en-US" dirty="0"/>
+              <a:t>Provides</a:t>
             </a:r>
           </a:p>
           <a:p>
             <a:pPr lvl="1"/>
             <a:r>
               <a:rPr lang="en-US" dirty="0"/>
-              <a:t>A testbench and evaluation methodology</a:t>
+              <a:t>Instant, detailed feedback</a:t>
+            </a:r>
+          </a:p>
+          <a:p>
+            <a:r>
+              <a:rPr lang="en-US" dirty="0"/>
+              <a:t>But</a:t>
             </a:r>
           </a:p>
           <a:p>
             <a:pPr lvl="1"/>
             <a:r>
               <a:rPr lang="en-US" dirty="0"/>
-              <a:t>Documentation that allows others to reproduce your result</a:t>
-            </a:r>
-          </a:p>
-          <a:p>
-            <a:r>
-              <a:rPr lang="en-US" dirty="0"/>
-              <a:t>Any topic of choice</a:t>
+              <a:t>May make mistakes</a:t>
+            </a:r>
+          </a:p>
+          <a:p>
+            <a:r>
+              <a:rPr lang="en-US" dirty="0"/>
+              <a:t>Still experimental</a:t>
             </a:r>
           </a:p>
           <a:p>
             <a:pPr lvl="1"/>
             <a:r>
               <a:rPr lang="en-US" dirty="0"/>
-              <a:t>Computer vision, communications, computing, …</a:t>
-            </a:r>
-          </a:p>
-          <a:p>
-            <a:r>
-              <a:rPr lang="en-US" dirty="0"/>
-              <a:t>Work in groups of 2 to 4</a:t>
-            </a:r>
-          </a:p>
-          <a:p>
-            <a:pPr lvl="1"/>
-            <a:r>
-              <a:rPr lang="en-US" dirty="0"/>
-              <a:t>Individual projects require instructor permission</a:t>
-            </a:r>
-          </a:p>
-          <a:p>
-            <a:endParaRPr lang="en-US" dirty="0"/>
+              <a:t>Need your feedback</a:t>
+            </a:r>
           </a:p>
         </p:txBody>
       </p:sp>
@@ -6012,7 +6031,7 @@
           <p:cNvPr id="4" name="Slide Number Placeholder 3">
             <a:extLst>
               <a:ext uri="{FF2B5EF4-FFF2-40B4-BE49-F238E27FC236}">
-                <a16:creationId xmlns:a16="http://schemas.microsoft.com/office/drawing/2014/main" id="{834B9AC8-B9AB-9076-444E-5FDC01E51B62}"/>
+                <a16:creationId xmlns:a16="http://schemas.microsoft.com/office/drawing/2014/main" id="{199BE6A3-ED12-515F-1028-F85F299E3CE2}"/>
               </a:ext>
             </a:extLst>
           </p:cNvPr>
@@ -6038,231 +6057,38 @@
       </p:sp>
       <p:pic>
         <p:nvPicPr>
-          <p:cNvPr id="2050" name="Picture 2" descr="Asic - Free icons">
-            <a:extLst>
-              <a:ext uri="{FF2B5EF4-FFF2-40B4-BE49-F238E27FC236}">
-                <a16:creationId xmlns:a16="http://schemas.microsoft.com/office/drawing/2014/main" id="{78C6B843-6476-291A-BDC6-42E605379353}"/>
+          <p:cNvPr id="6" name="Picture 5">
+            <a:extLst>
+              <a:ext uri="{FF2B5EF4-FFF2-40B4-BE49-F238E27FC236}">
+                <a16:creationId xmlns:a16="http://schemas.microsoft.com/office/drawing/2014/main" id="{CEFF5452-282B-87C1-47EA-E46A6826996D}"/>
               </a:ext>
             </a:extLst>
           </p:cNvPr>
           <p:cNvPicPr>
-            <a:picLocks noChangeAspect="1" noChangeArrowheads="1"/>
+            <a:picLocks noChangeAspect="1"/>
           </p:cNvPicPr>
           <p:nvPr/>
         </p:nvPicPr>
         <p:blipFill>
-          <a:blip r:embed="rId2">
-            <a:extLst>
-              <a:ext uri="{28A0092B-C50C-407E-A947-70E740481C1C}">
-                <a14:useLocalDpi xmlns:a14="http://schemas.microsoft.com/office/drawing/2010/main" val="0"/>
-              </a:ext>
-            </a:extLst>
-          </a:blip>
-          <a:srcRect/>
+          <a:blip r:embed="rId3"/>
           <a:stretch>
             <a:fillRect/>
           </a:stretch>
         </p:blipFill>
-        <p:spPr bwMode="auto">
-          <a:xfrm>
-            <a:off x="10558299" y="2438042"/>
-            <a:ext cx="1072840" cy="1072840"/>
+        <p:spPr>
+          <a:xfrm>
+            <a:off x="4895152" y="536859"/>
+            <a:ext cx="7157215" cy="4877746"/>
           </a:xfrm>
           <a:prstGeom prst="rect">
             <a:avLst/>
           </a:prstGeom>
-          <a:noFill/>
-          <a:extLst>
-            <a:ext uri="{909E8E84-426E-40DD-AFC4-6F175D3DCCD1}">
-              <a14:hiddenFill xmlns:a14="http://schemas.microsoft.com/office/drawing/2010/main">
-                <a:solidFill>
-                  <a:srgbClr val="FFFFFF"/>
-                </a:solidFill>
-              </a14:hiddenFill>
-            </a:ext>
-          </a:extLst>
         </p:spPr>
       </p:pic>
-      <p:sp>
-        <p:nvSpPr>
-          <p:cNvPr id="5" name="TextBox 4">
-            <a:extLst>
-              <a:ext uri="{FF2B5EF4-FFF2-40B4-BE49-F238E27FC236}">
-                <a16:creationId xmlns:a16="http://schemas.microsoft.com/office/drawing/2014/main" id="{2F680FE2-22BB-E33C-50B1-4220C555D317}"/>
-              </a:ext>
-            </a:extLst>
-          </p:cNvPr>
-          <p:cNvSpPr txBox="1"/>
-          <p:nvPr/>
-        </p:nvSpPr>
-        <p:spPr>
-          <a:xfrm>
-            <a:off x="10410668" y="3747530"/>
-            <a:ext cx="1490023" cy="646331"/>
-          </a:xfrm>
-          <a:prstGeom prst="rect">
-            <a:avLst/>
-          </a:prstGeom>
-          <a:noFill/>
-        </p:spPr>
-        <p:txBody>
-          <a:bodyPr wrap="none" rtlCol="0">
-            <a:spAutoFit/>
-          </a:bodyPr>
-          <a:lstStyle/>
-          <a:p>
-            <a:r>
-              <a:rPr lang="en-US" dirty="0"/>
-              <a:t>Hardware IP</a:t>
-            </a:r>
-            <a:br>
-              <a:rPr lang="en-US" dirty="0"/>
-            </a:br>
-            <a:r>
-              <a:rPr lang="en-US" dirty="0"/>
-              <a:t>or accelerator</a:t>
-            </a:r>
-          </a:p>
-        </p:txBody>
-      </p:sp>
-      <p:pic>
-        <p:nvPicPr>
-          <p:cNvPr id="2054" name="Picture 6" descr="Desktop Computer Icon Computer PNG &amp; SVG Design For T-Shirts">
-            <a:extLst>
-              <a:ext uri="{FF2B5EF4-FFF2-40B4-BE49-F238E27FC236}">
-                <a16:creationId xmlns:a16="http://schemas.microsoft.com/office/drawing/2014/main" id="{8BECE664-233D-F17B-EE19-DAFD81484017}"/>
-              </a:ext>
-            </a:extLst>
-          </p:cNvPr>
-          <p:cNvPicPr>
-            <a:picLocks noChangeAspect="1" noChangeArrowheads="1"/>
-          </p:cNvPicPr>
-          <p:nvPr/>
-        </p:nvPicPr>
-        <p:blipFill>
-          <a:blip r:embed="rId3">
-            <a:extLst>
-              <a:ext uri="{28A0092B-C50C-407E-A947-70E740481C1C}">
-                <a14:useLocalDpi xmlns:a14="http://schemas.microsoft.com/office/drawing/2010/main" val="0"/>
-              </a:ext>
-            </a:extLst>
-          </a:blip>
-          <a:srcRect/>
-          <a:stretch>
-            <a:fillRect/>
-          </a:stretch>
-        </p:blipFill>
-        <p:spPr bwMode="auto">
-          <a:xfrm>
-            <a:off x="7926275" y="2153619"/>
-            <a:ext cx="1872753" cy="1872753"/>
-          </a:xfrm>
-          <a:prstGeom prst="rect">
-            <a:avLst/>
-          </a:prstGeom>
-          <a:noFill/>
-          <a:extLst>
-            <a:ext uri="{909E8E84-426E-40DD-AFC4-6F175D3DCCD1}">
-              <a14:hiddenFill xmlns:a14="http://schemas.microsoft.com/office/drawing/2010/main">
-                <a:solidFill>
-                  <a:srgbClr val="FFFFFF"/>
-                </a:solidFill>
-              </a14:hiddenFill>
-            </a:ext>
-          </a:extLst>
-        </p:spPr>
-      </p:pic>
-      <p:sp>
-        <p:nvSpPr>
-          <p:cNvPr id="6" name="Arrow: Left-Right 5">
-            <a:extLst>
-              <a:ext uri="{FF2B5EF4-FFF2-40B4-BE49-F238E27FC236}">
-                <a16:creationId xmlns:a16="http://schemas.microsoft.com/office/drawing/2014/main" id="{91434D6A-6C17-B593-8155-ABB0406CDF06}"/>
-              </a:ext>
-            </a:extLst>
-          </p:cNvPr>
-          <p:cNvSpPr/>
-          <p:nvPr/>
-        </p:nvSpPr>
-        <p:spPr>
-          <a:xfrm>
-            <a:off x="9799028" y="2932771"/>
-            <a:ext cx="629035" cy="314450"/>
-          </a:xfrm>
-          <a:prstGeom prst="leftRightArrow">
-            <a:avLst/>
-          </a:prstGeom>
-          <a:solidFill>
-            <a:schemeClr val="accent1">
-              <a:lumMod val="20000"/>
-              <a:lumOff val="80000"/>
-            </a:schemeClr>
-          </a:solidFill>
-        </p:spPr>
-        <p:style>
-          <a:lnRef idx="2">
-            <a:schemeClr val="accent1">
-              <a:shade val="15000"/>
-            </a:schemeClr>
-          </a:lnRef>
-          <a:fillRef idx="1">
-            <a:schemeClr val="accent1"/>
-          </a:fillRef>
-          <a:effectRef idx="0">
-            <a:schemeClr val="accent1"/>
-          </a:effectRef>
-          <a:fontRef idx="minor">
-            <a:schemeClr val="lt1"/>
-          </a:fontRef>
-        </p:style>
-        <p:txBody>
-          <a:bodyPr rtlCol="0" anchor="ctr"/>
-          <a:lstStyle/>
-          <a:p>
-            <a:pPr algn="ctr"/>
-            <a:endParaRPr lang="en-US"/>
-          </a:p>
-        </p:txBody>
-      </p:sp>
-      <p:sp>
-        <p:nvSpPr>
-          <p:cNvPr id="7" name="TextBox 6">
-            <a:extLst>
-              <a:ext uri="{FF2B5EF4-FFF2-40B4-BE49-F238E27FC236}">
-                <a16:creationId xmlns:a16="http://schemas.microsoft.com/office/drawing/2014/main" id="{D7AE51BA-1953-9205-B7E6-3A975352BE85}"/>
-              </a:ext>
-            </a:extLst>
-          </p:cNvPr>
-          <p:cNvSpPr txBox="1"/>
-          <p:nvPr/>
-        </p:nvSpPr>
-        <p:spPr>
-          <a:xfrm>
-            <a:off x="8195994" y="3972747"/>
-            <a:ext cx="1316899" cy="369332"/>
-          </a:xfrm>
-          <a:prstGeom prst="rect">
-            <a:avLst/>
-          </a:prstGeom>
-          <a:noFill/>
-        </p:spPr>
-        <p:txBody>
-          <a:bodyPr wrap="none" rtlCol="0">
-            <a:spAutoFit/>
-          </a:bodyPr>
-          <a:lstStyle/>
-          <a:p>
-            <a:r>
-              <a:rPr lang="en-US" dirty="0"/>
-              <a:t>Host system</a:t>
-            </a:r>
-          </a:p>
-        </p:txBody>
-      </p:sp>
     </p:spTree>
     <p:extLst>
       <p:ext uri="{BB962C8B-B14F-4D97-AF65-F5344CB8AC3E}">
-        <p14:creationId xmlns:p14="http://schemas.microsoft.com/office/powerpoint/2010/main" val="3106628324"/>
+        <p14:creationId xmlns:p14="http://schemas.microsoft.com/office/powerpoint/2010/main" val="2386204723"/>
       </p:ext>
     </p:extLst>
   </p:cSld>
@@ -6294,6 +6120,412 @@
           <p:cNvPr id="2" name="Title 1">
             <a:extLst>
               <a:ext uri="{FF2B5EF4-FFF2-40B4-BE49-F238E27FC236}">
+                <a16:creationId xmlns:a16="http://schemas.microsoft.com/office/drawing/2014/main" id="{ED15BDE0-DB38-CCE7-08CF-D58ABC2828FD}"/>
+              </a:ext>
+            </a:extLst>
+          </p:cNvPr>
+          <p:cNvSpPr>
+            <a:spLocks noGrp="1"/>
+          </p:cNvSpPr>
+          <p:nvPr>
+            <p:ph type="title"/>
+          </p:nvPr>
+        </p:nvSpPr>
+        <p:spPr/>
+        <p:txBody>
+          <a:bodyPr/>
+          <a:lstStyle/>
+          <a:p>
+            <a:r>
+              <a:rPr lang="en-US" dirty="0"/>
+              <a:t>Project</a:t>
+            </a:r>
+          </a:p>
+        </p:txBody>
+      </p:sp>
+      <p:sp>
+        <p:nvSpPr>
+          <p:cNvPr id="3" name="Content Placeholder 2">
+            <a:extLst>
+              <a:ext uri="{FF2B5EF4-FFF2-40B4-BE49-F238E27FC236}">
+                <a16:creationId xmlns:a16="http://schemas.microsoft.com/office/drawing/2014/main" id="{0AA42AEA-049B-D207-24AB-B2B8F15C2808}"/>
+              </a:ext>
+            </a:extLst>
+          </p:cNvPr>
+          <p:cNvSpPr>
+            <a:spLocks noGrp="1"/>
+          </p:cNvSpPr>
+          <p:nvPr>
+            <p:ph idx="1"/>
+          </p:nvPr>
+        </p:nvSpPr>
+        <p:spPr>
+          <a:xfrm>
+            <a:off x="1097280" y="1539277"/>
+            <a:ext cx="6733953" cy="4329817"/>
+          </a:xfrm>
+        </p:spPr>
+        <p:txBody>
+          <a:bodyPr/>
+          <a:lstStyle/>
+          <a:p>
+            <a:r>
+              <a:rPr lang="en-US" dirty="0"/>
+              <a:t>Build your own IP</a:t>
+            </a:r>
+          </a:p>
+          <a:p>
+            <a:r>
+              <a:rPr lang="en-US" dirty="0"/>
+              <a:t>You must provide:</a:t>
+            </a:r>
+          </a:p>
+          <a:p>
+            <a:pPr lvl="1"/>
+            <a:r>
+              <a:rPr lang="en-US" dirty="0"/>
+              <a:t>A clearly defined hardware IP block (RTL or HLS)</a:t>
+            </a:r>
+          </a:p>
+          <a:p>
+            <a:pPr lvl="1"/>
+            <a:r>
+              <a:rPr lang="en-US" dirty="0"/>
+              <a:t>A well‑specified interface and integration model with a host system</a:t>
+            </a:r>
+          </a:p>
+          <a:p>
+            <a:pPr lvl="1"/>
+            <a:r>
+              <a:rPr lang="en-US" dirty="0"/>
+              <a:t>A testbench and evaluation methodology</a:t>
+            </a:r>
+          </a:p>
+          <a:p>
+            <a:pPr lvl="1"/>
+            <a:r>
+              <a:rPr lang="en-US" dirty="0"/>
+              <a:t>Documentation that allows others to reproduce your result</a:t>
+            </a:r>
+          </a:p>
+          <a:p>
+            <a:r>
+              <a:rPr lang="en-US" dirty="0"/>
+              <a:t>Any topic of choice</a:t>
+            </a:r>
+          </a:p>
+          <a:p>
+            <a:pPr lvl="1"/>
+            <a:r>
+              <a:rPr lang="en-US" dirty="0"/>
+              <a:t>Computer vision, communications, computing, …</a:t>
+            </a:r>
+          </a:p>
+          <a:p>
+            <a:r>
+              <a:rPr lang="en-US" dirty="0"/>
+              <a:t>Work in groups of 2 to 4</a:t>
+            </a:r>
+          </a:p>
+          <a:p>
+            <a:pPr lvl="1"/>
+            <a:r>
+              <a:rPr lang="en-US" dirty="0"/>
+              <a:t>Individual projects require instructor permission</a:t>
+            </a:r>
+          </a:p>
+          <a:p>
+            <a:endParaRPr lang="en-US" dirty="0"/>
+          </a:p>
+        </p:txBody>
+      </p:sp>
+      <p:sp>
+        <p:nvSpPr>
+          <p:cNvPr id="4" name="Slide Number Placeholder 3">
+            <a:extLst>
+              <a:ext uri="{FF2B5EF4-FFF2-40B4-BE49-F238E27FC236}">
+                <a16:creationId xmlns:a16="http://schemas.microsoft.com/office/drawing/2014/main" id="{834B9AC8-B9AB-9076-444E-5FDC01E51B62}"/>
+              </a:ext>
+            </a:extLst>
+          </p:cNvPr>
+          <p:cNvSpPr>
+            <a:spLocks noGrp="1"/>
+          </p:cNvSpPr>
+          <p:nvPr>
+            <p:ph type="sldNum" sz="quarter" idx="12"/>
+          </p:nvPr>
+        </p:nvSpPr>
+        <p:spPr/>
+        <p:txBody>
+          <a:bodyPr/>
+          <a:lstStyle/>
+          <a:p>
+            <a:fld id="{629637A9-119A-49DA-BD12-AAC58B377D80}" type="slidenum">
+              <a:rPr lang="en-US" smtClean="0"/>
+              <a:t>14</a:t>
+            </a:fld>
+            <a:endParaRPr lang="en-US" dirty="0"/>
+          </a:p>
+        </p:txBody>
+      </p:sp>
+      <p:pic>
+        <p:nvPicPr>
+          <p:cNvPr id="2050" name="Picture 2" descr="Asic - Free icons">
+            <a:extLst>
+              <a:ext uri="{FF2B5EF4-FFF2-40B4-BE49-F238E27FC236}">
+                <a16:creationId xmlns:a16="http://schemas.microsoft.com/office/drawing/2014/main" id="{78C6B843-6476-291A-BDC6-42E605379353}"/>
+              </a:ext>
+            </a:extLst>
+          </p:cNvPr>
+          <p:cNvPicPr>
+            <a:picLocks noChangeAspect="1" noChangeArrowheads="1"/>
+          </p:cNvPicPr>
+          <p:nvPr/>
+        </p:nvPicPr>
+        <p:blipFill>
+          <a:blip r:embed="rId2">
+            <a:extLst>
+              <a:ext uri="{28A0092B-C50C-407E-A947-70E740481C1C}">
+                <a14:useLocalDpi xmlns:a14="http://schemas.microsoft.com/office/drawing/2010/main" val="0"/>
+              </a:ext>
+            </a:extLst>
+          </a:blip>
+          <a:srcRect/>
+          <a:stretch>
+            <a:fillRect/>
+          </a:stretch>
+        </p:blipFill>
+        <p:spPr bwMode="auto">
+          <a:xfrm>
+            <a:off x="10558299" y="2438042"/>
+            <a:ext cx="1072840" cy="1072840"/>
+          </a:xfrm>
+          <a:prstGeom prst="rect">
+            <a:avLst/>
+          </a:prstGeom>
+          <a:noFill/>
+          <a:extLst>
+            <a:ext uri="{909E8E84-426E-40DD-AFC4-6F175D3DCCD1}">
+              <a14:hiddenFill xmlns:a14="http://schemas.microsoft.com/office/drawing/2010/main">
+                <a:solidFill>
+                  <a:srgbClr val="FFFFFF"/>
+                </a:solidFill>
+              </a14:hiddenFill>
+            </a:ext>
+          </a:extLst>
+        </p:spPr>
+      </p:pic>
+      <p:sp>
+        <p:nvSpPr>
+          <p:cNvPr id="5" name="TextBox 4">
+            <a:extLst>
+              <a:ext uri="{FF2B5EF4-FFF2-40B4-BE49-F238E27FC236}">
+                <a16:creationId xmlns:a16="http://schemas.microsoft.com/office/drawing/2014/main" id="{2F680FE2-22BB-E33C-50B1-4220C555D317}"/>
+              </a:ext>
+            </a:extLst>
+          </p:cNvPr>
+          <p:cNvSpPr txBox="1"/>
+          <p:nvPr/>
+        </p:nvSpPr>
+        <p:spPr>
+          <a:xfrm>
+            <a:off x="10410668" y="3747530"/>
+            <a:ext cx="1490023" cy="646331"/>
+          </a:xfrm>
+          <a:prstGeom prst="rect">
+            <a:avLst/>
+          </a:prstGeom>
+          <a:noFill/>
+        </p:spPr>
+        <p:txBody>
+          <a:bodyPr wrap="none" rtlCol="0">
+            <a:spAutoFit/>
+          </a:bodyPr>
+          <a:lstStyle/>
+          <a:p>
+            <a:r>
+              <a:rPr lang="en-US" dirty="0"/>
+              <a:t>Hardware IP</a:t>
+            </a:r>
+            <a:br>
+              <a:rPr lang="en-US" dirty="0"/>
+            </a:br>
+            <a:r>
+              <a:rPr lang="en-US" dirty="0"/>
+              <a:t>or accelerator</a:t>
+            </a:r>
+          </a:p>
+        </p:txBody>
+      </p:sp>
+      <p:pic>
+        <p:nvPicPr>
+          <p:cNvPr id="2054" name="Picture 6" descr="Desktop Computer Icon Computer PNG &amp; SVG Design For T-Shirts">
+            <a:extLst>
+              <a:ext uri="{FF2B5EF4-FFF2-40B4-BE49-F238E27FC236}">
+                <a16:creationId xmlns:a16="http://schemas.microsoft.com/office/drawing/2014/main" id="{8BECE664-233D-F17B-EE19-DAFD81484017}"/>
+              </a:ext>
+            </a:extLst>
+          </p:cNvPr>
+          <p:cNvPicPr>
+            <a:picLocks noChangeAspect="1" noChangeArrowheads="1"/>
+          </p:cNvPicPr>
+          <p:nvPr/>
+        </p:nvPicPr>
+        <p:blipFill>
+          <a:blip r:embed="rId3">
+            <a:extLst>
+              <a:ext uri="{28A0092B-C50C-407E-A947-70E740481C1C}">
+                <a14:useLocalDpi xmlns:a14="http://schemas.microsoft.com/office/drawing/2010/main" val="0"/>
+              </a:ext>
+            </a:extLst>
+          </a:blip>
+          <a:srcRect/>
+          <a:stretch>
+            <a:fillRect/>
+          </a:stretch>
+        </p:blipFill>
+        <p:spPr bwMode="auto">
+          <a:xfrm>
+            <a:off x="7926275" y="2153619"/>
+            <a:ext cx="1872753" cy="1872753"/>
+          </a:xfrm>
+          <a:prstGeom prst="rect">
+            <a:avLst/>
+          </a:prstGeom>
+          <a:noFill/>
+          <a:extLst>
+            <a:ext uri="{909E8E84-426E-40DD-AFC4-6F175D3DCCD1}">
+              <a14:hiddenFill xmlns:a14="http://schemas.microsoft.com/office/drawing/2010/main">
+                <a:solidFill>
+                  <a:srgbClr val="FFFFFF"/>
+                </a:solidFill>
+              </a14:hiddenFill>
+            </a:ext>
+          </a:extLst>
+        </p:spPr>
+      </p:pic>
+      <p:sp>
+        <p:nvSpPr>
+          <p:cNvPr id="6" name="Arrow: Left-Right 5">
+            <a:extLst>
+              <a:ext uri="{FF2B5EF4-FFF2-40B4-BE49-F238E27FC236}">
+                <a16:creationId xmlns:a16="http://schemas.microsoft.com/office/drawing/2014/main" id="{91434D6A-6C17-B593-8155-ABB0406CDF06}"/>
+              </a:ext>
+            </a:extLst>
+          </p:cNvPr>
+          <p:cNvSpPr/>
+          <p:nvPr/>
+        </p:nvSpPr>
+        <p:spPr>
+          <a:xfrm>
+            <a:off x="9799028" y="2932771"/>
+            <a:ext cx="629035" cy="314450"/>
+          </a:xfrm>
+          <a:prstGeom prst="leftRightArrow">
+            <a:avLst/>
+          </a:prstGeom>
+          <a:solidFill>
+            <a:schemeClr val="accent1">
+              <a:lumMod val="20000"/>
+              <a:lumOff val="80000"/>
+            </a:schemeClr>
+          </a:solidFill>
+        </p:spPr>
+        <p:style>
+          <a:lnRef idx="2">
+            <a:schemeClr val="accent1">
+              <a:shade val="15000"/>
+            </a:schemeClr>
+          </a:lnRef>
+          <a:fillRef idx="1">
+            <a:schemeClr val="accent1"/>
+          </a:fillRef>
+          <a:effectRef idx="0">
+            <a:schemeClr val="accent1"/>
+          </a:effectRef>
+          <a:fontRef idx="minor">
+            <a:schemeClr val="lt1"/>
+          </a:fontRef>
+        </p:style>
+        <p:txBody>
+          <a:bodyPr rtlCol="0" anchor="ctr"/>
+          <a:lstStyle/>
+          <a:p>
+            <a:pPr algn="ctr"/>
+            <a:endParaRPr lang="en-US"/>
+          </a:p>
+        </p:txBody>
+      </p:sp>
+      <p:sp>
+        <p:nvSpPr>
+          <p:cNvPr id="7" name="TextBox 6">
+            <a:extLst>
+              <a:ext uri="{FF2B5EF4-FFF2-40B4-BE49-F238E27FC236}">
+                <a16:creationId xmlns:a16="http://schemas.microsoft.com/office/drawing/2014/main" id="{D7AE51BA-1953-9205-B7E6-3A975352BE85}"/>
+              </a:ext>
+            </a:extLst>
+          </p:cNvPr>
+          <p:cNvSpPr txBox="1"/>
+          <p:nvPr/>
+        </p:nvSpPr>
+        <p:spPr>
+          <a:xfrm>
+            <a:off x="8195994" y="3972747"/>
+            <a:ext cx="1316899" cy="369332"/>
+          </a:xfrm>
+          <a:prstGeom prst="rect">
+            <a:avLst/>
+          </a:prstGeom>
+          <a:noFill/>
+        </p:spPr>
+        <p:txBody>
+          <a:bodyPr wrap="none" rtlCol="0">
+            <a:spAutoFit/>
+          </a:bodyPr>
+          <a:lstStyle/>
+          <a:p>
+            <a:r>
+              <a:rPr lang="en-US" dirty="0"/>
+              <a:t>Host system</a:t>
+            </a:r>
+          </a:p>
+        </p:txBody>
+      </p:sp>
+    </p:spTree>
+    <p:extLst>
+      <p:ext uri="{BB962C8B-B14F-4D97-AF65-F5344CB8AC3E}">
+        <p14:creationId xmlns:p14="http://schemas.microsoft.com/office/powerpoint/2010/main" val="3106628324"/>
+      </p:ext>
+    </p:extLst>
+  </p:cSld>
+  <p:clrMapOvr>
+    <a:masterClrMapping/>
+  </p:clrMapOvr>
+</p:sld>
+</file>
+
+<file path=ppt/slides/slide15.xml><?xml version="1.0" encoding="utf-8"?>
+<p:sld xmlns:a="http://schemas.openxmlformats.org/drawingml/2006/main" xmlns:r="http://schemas.openxmlformats.org/officeDocument/2006/relationships" xmlns:p="http://schemas.openxmlformats.org/presentationml/2006/main">
+  <p:cSld>
+    <p:spTree>
+      <p:nvGrpSpPr>
+        <p:cNvPr id="1" name=""/>
+        <p:cNvGrpSpPr/>
+        <p:nvPr/>
+      </p:nvGrpSpPr>
+      <p:grpSpPr>
+        <a:xfrm>
+          <a:off x="0" y="0"/>
+          <a:ext cx="0" cy="0"/>
+          <a:chOff x="0" y="0"/>
+          <a:chExt cx="0" cy="0"/>
+        </a:xfrm>
+      </p:grpSpPr>
+      <p:sp>
+        <p:nvSpPr>
+          <p:cNvPr id="2" name="Title 1">
+            <a:extLst>
+              <a:ext uri="{FF2B5EF4-FFF2-40B4-BE49-F238E27FC236}">
                 <a16:creationId xmlns:a16="http://schemas.microsoft.com/office/drawing/2014/main" id="{8D570F3B-5DBC-8099-0474-17F5B6270702}"/>
               </a:ext>
             </a:extLst>
@@ -6511,7 +6743,7 @@
           <a:p>
             <a:fld id="{629637A9-119A-49DA-BD12-AAC58B377D80}" type="slidenum">
               <a:rPr lang="en-US" smtClean="0"/>
-              <a:t>14</a:t>
+              <a:t>15</a:t>
             </a:fld>
             <a:endParaRPr lang="en-US" dirty="0"/>
           </a:p>
@@ -6530,7 +6762,7 @@
 </p:sld>
 </file>
 
-<file path=ppt/slides/slide15.xml><?xml version="1.0" encoding="utf-8"?>
+<file path=ppt/slides/slide16.xml><?xml version="1.0" encoding="utf-8"?>
 <p:sld xmlns:a="http://schemas.openxmlformats.org/drawingml/2006/main" xmlns:r="http://schemas.openxmlformats.org/officeDocument/2006/relationships" xmlns:p="http://schemas.openxmlformats.org/presentationml/2006/main">
   <p:cSld>
     <p:spTree>
@@ -6643,7 +6875,7 @@
           <a:p>
             <a:fld id="{629637A9-119A-49DA-BD12-AAC58B377D80}" type="slidenum">
               <a:rPr lang="en-US" smtClean="0"/>
-              <a:t>15</a:t>
+              <a:t>16</a:t>
             </a:fld>
             <a:endParaRPr lang="en-US" dirty="0"/>
           </a:p>
@@ -6714,7 +6946,7 @@
 </p:sld>
 </file>
 
-<file path=ppt/slides/slide16.xml><?xml version="1.0" encoding="utf-8"?>
+<file path=ppt/slides/slide17.xml><?xml version="1.0" encoding="utf-8"?>
 <p:sld xmlns:a="http://schemas.openxmlformats.org/drawingml/2006/main" xmlns:r="http://schemas.openxmlformats.org/officeDocument/2006/relationships" xmlns:p="http://schemas.openxmlformats.org/presentationml/2006/main">
   <p:cSld>
     <p:spTree>
@@ -6841,7 +7073,7 @@
           <a:p>
             <a:fld id="{629637A9-119A-49DA-BD12-AAC58B377D80}" type="slidenum">
               <a:rPr lang="en-US" smtClean="0"/>
-              <a:t>16</a:t>
+              <a:t>17</a:t>
             </a:fld>
             <a:endParaRPr lang="en-US" dirty="0"/>
           </a:p>
@@ -7255,7 +7487,7 @@
 </p:sld>
 </file>
 
-<file path=ppt/slides/slide17.xml><?xml version="1.0" encoding="utf-8"?>
+<file path=ppt/slides/slide18.xml><?xml version="1.0" encoding="utf-8"?>
 <p:sld xmlns:a="http://schemas.openxmlformats.org/drawingml/2006/main" xmlns:r="http://schemas.openxmlformats.org/officeDocument/2006/relationships" xmlns:p="http://schemas.openxmlformats.org/presentationml/2006/main">
   <p:cSld>
     <p:spTree>
@@ -7323,7 +7555,7 @@
           <a:p>
             <a:fld id="{629637A9-119A-49DA-BD12-AAC58B377D80}" type="slidenum">
               <a:rPr lang="en-US" smtClean="0"/>
-              <a:t>17</a:t>
+              <a:t>18</a:t>
             </a:fld>
             <a:endParaRPr lang="en-US" dirty="0"/>
           </a:p>
@@ -7873,7 +8105,7 @@
 </p:sld>
 </file>
 
-<file path=ppt/slides/slide18.xml><?xml version="1.0" encoding="utf-8"?>
+<file path=ppt/slides/slide19.xml><?xml version="1.0" encoding="utf-8"?>
 <p:sld xmlns:a="http://schemas.openxmlformats.org/drawingml/2006/main" xmlns:r="http://schemas.openxmlformats.org/officeDocument/2006/relationships" xmlns:p="http://schemas.openxmlformats.org/presentationml/2006/main">
   <p:cSld>
     <p:spTree>
@@ -7947,7 +8179,7 @@
           <a:p>
             <a:fld id="{629637A9-119A-49DA-BD12-AAC58B377D80}" type="slidenum">
               <a:rPr lang="en-US" smtClean="0"/>
-              <a:t>18</a:t>
+              <a:t>19</a:t>
             </a:fld>
             <a:endParaRPr lang="en-US" dirty="0"/>
           </a:p>
@@ -8754,747 +8986,6 @@
     <p:extLst>
       <p:ext uri="{BB962C8B-B14F-4D97-AF65-F5344CB8AC3E}">
         <p14:creationId xmlns:p14="http://schemas.microsoft.com/office/powerpoint/2010/main" val="534400385"/>
-      </p:ext>
-    </p:extLst>
-  </p:cSld>
-  <p:clrMapOvr>
-    <a:masterClrMapping/>
-  </p:clrMapOvr>
-</p:sld>
-</file>
-
-<file path=ppt/slides/slide19.xml><?xml version="1.0" encoding="utf-8"?>
-<p:sld xmlns:a="http://schemas.openxmlformats.org/drawingml/2006/main" xmlns:r="http://schemas.openxmlformats.org/officeDocument/2006/relationships" xmlns:p="http://schemas.openxmlformats.org/presentationml/2006/main">
-  <p:cSld>
-    <p:spTree>
-      <p:nvGrpSpPr>
-        <p:cNvPr id="1" name=""/>
-        <p:cNvGrpSpPr/>
-        <p:nvPr/>
-      </p:nvGrpSpPr>
-      <p:grpSpPr>
-        <a:xfrm>
-          <a:off x="0" y="0"/>
-          <a:ext cx="0" cy="0"/>
-          <a:chOff x="0" y="0"/>
-          <a:chExt cx="0" cy="0"/>
-        </a:xfrm>
-      </p:grpSpPr>
-      <p:sp>
-        <p:nvSpPr>
-          <p:cNvPr id="2" name="Title 1">
-            <a:extLst>
-              <a:ext uri="{FF2B5EF4-FFF2-40B4-BE49-F238E27FC236}">
-                <a16:creationId xmlns:a16="http://schemas.microsoft.com/office/drawing/2014/main" id="{D3438B30-FC83-FD9A-583F-510175BC5943}"/>
-              </a:ext>
-            </a:extLst>
-          </p:cNvPr>
-          <p:cNvSpPr>
-            <a:spLocks noGrp="1"/>
-          </p:cNvSpPr>
-          <p:nvPr>
-            <p:ph type="title"/>
-          </p:nvPr>
-        </p:nvSpPr>
-        <p:spPr/>
-        <p:txBody>
-          <a:bodyPr/>
-          <a:lstStyle/>
-          <a:p>
-            <a:r>
-              <a:rPr lang="en-US" dirty="0"/>
-              <a:t>Accelerator or IP Model</a:t>
-            </a:r>
-          </a:p>
-        </p:txBody>
-      </p:sp>
-      <p:sp>
-        <p:nvSpPr>
-          <p:cNvPr id="4" name="Slide Number Placeholder 3">
-            <a:extLst>
-              <a:ext uri="{FF2B5EF4-FFF2-40B4-BE49-F238E27FC236}">
-                <a16:creationId xmlns:a16="http://schemas.microsoft.com/office/drawing/2014/main" id="{4C480D9B-BAD9-C35E-A10A-2ADCD901A484}"/>
-              </a:ext>
-            </a:extLst>
-          </p:cNvPr>
-          <p:cNvSpPr>
-            <a:spLocks noGrp="1"/>
-          </p:cNvSpPr>
-          <p:nvPr>
-            <p:ph type="sldNum" sz="quarter" idx="12"/>
-          </p:nvPr>
-        </p:nvSpPr>
-        <p:spPr/>
-        <p:txBody>
-          <a:bodyPr/>
-          <a:lstStyle/>
-          <a:p>
-            <a:fld id="{629637A9-119A-49DA-BD12-AAC58B377D80}" type="slidenum">
-              <a:rPr lang="en-US" smtClean="0"/>
-              <a:t>19</a:t>
-            </a:fld>
-            <a:endParaRPr lang="en-US" dirty="0"/>
-          </a:p>
-        </p:txBody>
-      </p:sp>
-      <p:pic>
-        <p:nvPicPr>
-          <p:cNvPr id="5" name="Picture 2" descr="Asic - Free icons">
-            <a:extLst>
-              <a:ext uri="{FF2B5EF4-FFF2-40B4-BE49-F238E27FC236}">
-                <a16:creationId xmlns:a16="http://schemas.microsoft.com/office/drawing/2014/main" id="{2D198A59-C386-E6F1-2136-1EB5E3DA232A}"/>
-              </a:ext>
-            </a:extLst>
-          </p:cNvPr>
-          <p:cNvPicPr>
-            <a:picLocks noChangeAspect="1" noChangeArrowheads="1"/>
-          </p:cNvPicPr>
-          <p:nvPr/>
-        </p:nvPicPr>
-        <p:blipFill>
-          <a:blip r:embed="rId2">
-            <a:extLst>
-              <a:ext uri="{28A0092B-C50C-407E-A947-70E740481C1C}">
-                <a14:useLocalDpi xmlns:a14="http://schemas.microsoft.com/office/drawing/2010/main" val="0"/>
-              </a:ext>
-            </a:extLst>
-          </a:blip>
-          <a:srcRect/>
-          <a:stretch>
-            <a:fillRect/>
-          </a:stretch>
-        </p:blipFill>
-        <p:spPr bwMode="auto">
-          <a:xfrm>
-            <a:off x="6951922" y="2229558"/>
-            <a:ext cx="1072840" cy="1072840"/>
-          </a:xfrm>
-          <a:prstGeom prst="rect">
-            <a:avLst/>
-          </a:prstGeom>
-          <a:noFill/>
-          <a:extLst>
-            <a:ext uri="{909E8E84-426E-40DD-AFC4-6F175D3DCCD1}">
-              <a14:hiddenFill xmlns:a14="http://schemas.microsoft.com/office/drawing/2010/main">
-                <a:solidFill>
-                  <a:srgbClr val="FFFFFF"/>
-                </a:solidFill>
-              </a14:hiddenFill>
-            </a:ext>
-          </a:extLst>
-        </p:spPr>
-      </p:pic>
-      <p:sp>
-        <p:nvSpPr>
-          <p:cNvPr id="6" name="TextBox 5">
-            <a:extLst>
-              <a:ext uri="{FF2B5EF4-FFF2-40B4-BE49-F238E27FC236}">
-                <a16:creationId xmlns:a16="http://schemas.microsoft.com/office/drawing/2014/main" id="{69364BE1-B536-A9DB-31A1-CC63C0C6092E}"/>
-              </a:ext>
-            </a:extLst>
-          </p:cNvPr>
-          <p:cNvSpPr txBox="1"/>
-          <p:nvPr/>
-        </p:nvSpPr>
-        <p:spPr>
-          <a:xfrm>
-            <a:off x="6339119" y="3541953"/>
-            <a:ext cx="2691571" cy="800219"/>
-          </a:xfrm>
-          <a:prstGeom prst="rect">
-            <a:avLst/>
-          </a:prstGeom>
-          <a:noFill/>
-        </p:spPr>
-        <p:txBody>
-          <a:bodyPr wrap="none" rtlCol="0">
-            <a:spAutoFit/>
-          </a:bodyPr>
-          <a:lstStyle/>
-          <a:p>
-            <a:r>
-              <a:rPr lang="en-US" dirty="0">
-                <a:solidFill>
-                  <a:schemeClr val="tx2">
-                    <a:lumMod val="60000"/>
-                    <a:lumOff val="40000"/>
-                  </a:schemeClr>
-                </a:solidFill>
-              </a:rPr>
-              <a:t>Hardware IP or accelerator</a:t>
-            </a:r>
-            <a:br>
-              <a:rPr lang="en-US" dirty="0"/>
-            </a:br>
-            <a:r>
-              <a:rPr lang="en-US" sz="1400" dirty="0"/>
-              <a:t>Compute intensive tasks</a:t>
-            </a:r>
-          </a:p>
-          <a:p>
-            <a:r>
-              <a:rPr lang="en-US" sz="1400" dirty="0"/>
-              <a:t>Domain specific</a:t>
-            </a:r>
-          </a:p>
-        </p:txBody>
-      </p:sp>
-      <p:pic>
-        <p:nvPicPr>
-          <p:cNvPr id="7" name="Picture 6" descr="Desktop Computer Icon Computer PNG &amp; SVG Design For T-Shirts">
-            <a:extLst>
-              <a:ext uri="{FF2B5EF4-FFF2-40B4-BE49-F238E27FC236}">
-                <a16:creationId xmlns:a16="http://schemas.microsoft.com/office/drawing/2014/main" id="{582F8914-FDA1-332F-1F34-58FC78D7B8EC}"/>
-              </a:ext>
-            </a:extLst>
-          </p:cNvPr>
-          <p:cNvPicPr>
-            <a:picLocks noChangeAspect="1" noChangeArrowheads="1"/>
-          </p:cNvPicPr>
-          <p:nvPr/>
-        </p:nvPicPr>
-        <p:blipFill>
-          <a:blip r:embed="rId3">
-            <a:extLst>
-              <a:ext uri="{28A0092B-C50C-407E-A947-70E740481C1C}">
-                <a14:useLocalDpi xmlns:a14="http://schemas.microsoft.com/office/drawing/2010/main" val="0"/>
-              </a:ext>
-            </a:extLst>
-          </a:blip>
-          <a:srcRect/>
-          <a:stretch>
-            <a:fillRect/>
-          </a:stretch>
-        </p:blipFill>
-        <p:spPr bwMode="auto">
-          <a:xfrm>
-            <a:off x="670438" y="1948043"/>
-            <a:ext cx="1606455" cy="1606455"/>
-          </a:xfrm>
-          <a:prstGeom prst="rect">
-            <a:avLst/>
-          </a:prstGeom>
-          <a:noFill/>
-          <a:extLst>
-            <a:ext uri="{909E8E84-426E-40DD-AFC4-6F175D3DCCD1}">
-              <a14:hiddenFill xmlns:a14="http://schemas.microsoft.com/office/drawing/2010/main">
-                <a:solidFill>
-                  <a:srgbClr val="FFFFFF"/>
-                </a:solidFill>
-              </a14:hiddenFill>
-            </a:ext>
-          </a:extLst>
-        </p:spPr>
-      </p:pic>
-      <p:sp>
-        <p:nvSpPr>
-          <p:cNvPr id="8" name="Arrow: Left-Right 7">
-            <a:extLst>
-              <a:ext uri="{FF2B5EF4-FFF2-40B4-BE49-F238E27FC236}">
-                <a16:creationId xmlns:a16="http://schemas.microsoft.com/office/drawing/2014/main" id="{CC71A5C9-D584-DF02-58FB-2DA2DA0B1EDC}"/>
-              </a:ext>
-            </a:extLst>
-          </p:cNvPr>
-          <p:cNvSpPr/>
-          <p:nvPr/>
-        </p:nvSpPr>
-        <p:spPr>
-          <a:xfrm>
-            <a:off x="5900982" y="2589821"/>
-            <a:ext cx="629035" cy="314450"/>
-          </a:xfrm>
-          <a:prstGeom prst="leftRightArrow">
-            <a:avLst/>
-          </a:prstGeom>
-          <a:solidFill>
-            <a:schemeClr val="accent1">
-              <a:lumMod val="20000"/>
-              <a:lumOff val="80000"/>
-            </a:schemeClr>
-          </a:solidFill>
-        </p:spPr>
-        <p:style>
-          <a:lnRef idx="2">
-            <a:schemeClr val="accent1">
-              <a:shade val="15000"/>
-            </a:schemeClr>
-          </a:lnRef>
-          <a:fillRef idx="1">
-            <a:schemeClr val="accent1"/>
-          </a:fillRef>
-          <a:effectRef idx="0">
-            <a:schemeClr val="accent1"/>
-          </a:effectRef>
-          <a:fontRef idx="minor">
-            <a:schemeClr val="lt1"/>
-          </a:fontRef>
-        </p:style>
-        <p:txBody>
-          <a:bodyPr rtlCol="0" anchor="ctr"/>
-          <a:lstStyle/>
-          <a:p>
-            <a:pPr algn="ctr"/>
-            <a:endParaRPr lang="en-US"/>
-          </a:p>
-        </p:txBody>
-      </p:sp>
-      <p:sp>
-        <p:nvSpPr>
-          <p:cNvPr id="9" name="TextBox 8">
-            <a:extLst>
-              <a:ext uri="{FF2B5EF4-FFF2-40B4-BE49-F238E27FC236}">
-                <a16:creationId xmlns:a16="http://schemas.microsoft.com/office/drawing/2014/main" id="{BECA358E-D56C-FFD2-9565-B5F5EAC15C78}"/>
-              </a:ext>
-            </a:extLst>
-          </p:cNvPr>
-          <p:cNvSpPr txBox="1"/>
-          <p:nvPr/>
-        </p:nvSpPr>
-        <p:spPr>
-          <a:xfrm>
-            <a:off x="3547478" y="3541952"/>
-            <a:ext cx="1944635" cy="1200329"/>
-          </a:xfrm>
-          <a:prstGeom prst="rect">
-            <a:avLst/>
-          </a:prstGeom>
-          <a:noFill/>
-        </p:spPr>
-        <p:txBody>
-          <a:bodyPr wrap="none" rtlCol="0">
-            <a:spAutoFit/>
-          </a:bodyPr>
-          <a:lstStyle/>
-          <a:p>
-            <a:r>
-              <a:rPr lang="en-US" sz="1600" dirty="0">
-                <a:solidFill>
-                  <a:schemeClr val="tx2">
-                    <a:lumMod val="60000"/>
-                    <a:lumOff val="40000"/>
-                  </a:schemeClr>
-                </a:solidFill>
-              </a:rPr>
-              <a:t>Embedded Processor</a:t>
-            </a:r>
-            <a:br>
-              <a:rPr lang="en-US" sz="1600" dirty="0"/>
-            </a:br>
-            <a:r>
-              <a:rPr lang="en-US" sz="1400" dirty="0"/>
-              <a:t>(DSP, ARM,…)</a:t>
-            </a:r>
-            <a:br>
-              <a:rPr lang="en-US" sz="1400" dirty="0"/>
-            </a:br>
-            <a:r>
-              <a:rPr lang="en-US" sz="1400" dirty="0"/>
-              <a:t>Configures HW,</a:t>
-            </a:r>
-            <a:br>
-              <a:rPr lang="en-US" sz="1400" dirty="0"/>
-            </a:br>
-            <a:r>
-              <a:rPr lang="en-US" sz="1400" dirty="0"/>
-              <a:t>Manages data transfer,</a:t>
-            </a:r>
-            <a:br>
-              <a:rPr lang="en-US" sz="1400" dirty="0"/>
-            </a:br>
-            <a:r>
-              <a:rPr lang="en-US" sz="1400" dirty="0"/>
-              <a:t>Performs some DSP</a:t>
-            </a:r>
-          </a:p>
-        </p:txBody>
-      </p:sp>
-      <p:pic>
-        <p:nvPicPr>
-          <p:cNvPr id="10" name="Picture 2" descr="What is a DSP chip？-Perceptive Electronic Components">
-            <a:extLst>
-              <a:ext uri="{FF2B5EF4-FFF2-40B4-BE49-F238E27FC236}">
-                <a16:creationId xmlns:a16="http://schemas.microsoft.com/office/drawing/2014/main" id="{1A2093CD-7818-780C-D674-5FC9CF4B5254}"/>
-              </a:ext>
-            </a:extLst>
-          </p:cNvPr>
-          <p:cNvPicPr>
-            <a:picLocks noChangeAspect="1" noChangeArrowheads="1"/>
-          </p:cNvPicPr>
-          <p:nvPr/>
-        </p:nvPicPr>
-        <p:blipFill>
-          <a:blip r:embed="rId4">
-            <a:extLst>
-              <a:ext uri="{28A0092B-C50C-407E-A947-70E740481C1C}">
-                <a14:useLocalDpi xmlns:a14="http://schemas.microsoft.com/office/drawing/2010/main" val="0"/>
-              </a:ext>
-            </a:extLst>
-          </a:blip>
-          <a:srcRect/>
-          <a:stretch>
-            <a:fillRect/>
-          </a:stretch>
-        </p:blipFill>
-        <p:spPr bwMode="auto">
-          <a:xfrm>
-            <a:off x="3638551" y="2215909"/>
-            <a:ext cx="1508972" cy="1100137"/>
-          </a:xfrm>
-          <a:prstGeom prst="rect">
-            <a:avLst/>
-          </a:prstGeom>
-          <a:noFill/>
-          <a:extLst>
-            <a:ext uri="{909E8E84-426E-40DD-AFC4-6F175D3DCCD1}">
-              <a14:hiddenFill xmlns:a14="http://schemas.microsoft.com/office/drawing/2010/main">
-                <a:solidFill>
-                  <a:srgbClr val="FFFFFF"/>
-                </a:solidFill>
-              </a14:hiddenFill>
-            </a:ext>
-          </a:extLst>
-        </p:spPr>
-      </p:pic>
-      <p:sp>
-        <p:nvSpPr>
-          <p:cNvPr id="11" name="TextBox 10">
-            <a:extLst>
-              <a:ext uri="{FF2B5EF4-FFF2-40B4-BE49-F238E27FC236}">
-                <a16:creationId xmlns:a16="http://schemas.microsoft.com/office/drawing/2014/main" id="{A1A5ED07-1D32-CB91-D927-26E7A0349461}"/>
-              </a:ext>
-            </a:extLst>
-          </p:cNvPr>
-          <p:cNvSpPr txBox="1"/>
-          <p:nvPr/>
-        </p:nvSpPr>
-        <p:spPr>
-          <a:xfrm>
-            <a:off x="744162" y="3575562"/>
-            <a:ext cx="2095317" cy="1200329"/>
-          </a:xfrm>
-          <a:prstGeom prst="rect">
-            <a:avLst/>
-          </a:prstGeom>
-          <a:noFill/>
-        </p:spPr>
-        <p:txBody>
-          <a:bodyPr wrap="none" rtlCol="0">
-            <a:spAutoFit/>
-          </a:bodyPr>
-          <a:lstStyle/>
-          <a:p>
-            <a:r>
-              <a:rPr lang="en-US" sz="1600" dirty="0">
-                <a:solidFill>
-                  <a:schemeClr val="tx2">
-                    <a:lumMod val="60000"/>
-                    <a:lumOff val="40000"/>
-                  </a:schemeClr>
-                </a:solidFill>
-              </a:rPr>
-              <a:t>Host system</a:t>
-            </a:r>
-            <a:br>
-              <a:rPr lang="en-US" sz="1600" dirty="0"/>
-            </a:br>
-            <a:r>
-              <a:rPr lang="en-US" sz="1400" dirty="0"/>
-              <a:t>Runs main application,</a:t>
-            </a:r>
-            <a:br>
-              <a:rPr lang="en-US" sz="1400" dirty="0"/>
-            </a:br>
-            <a:r>
-              <a:rPr lang="en-US" sz="1400" dirty="0"/>
-              <a:t>User interface,</a:t>
-            </a:r>
-            <a:br>
-              <a:rPr lang="en-US" sz="1400" dirty="0"/>
-            </a:br>
-            <a:r>
-              <a:rPr lang="en-US" sz="1400" dirty="0"/>
-              <a:t>May be embedded as well</a:t>
-            </a:r>
-            <a:br>
-              <a:rPr lang="en-US" sz="1400" dirty="0"/>
-            </a:br>
-            <a:r>
-              <a:rPr lang="en-US" sz="1400" dirty="0"/>
-              <a:t>(e.g., smartphone)</a:t>
-            </a:r>
-          </a:p>
-        </p:txBody>
-      </p:sp>
-      <p:pic>
-        <p:nvPicPr>
-          <p:cNvPr id="8194" name="Picture 2">
-            <a:extLst>
-              <a:ext uri="{FF2B5EF4-FFF2-40B4-BE49-F238E27FC236}">
-                <a16:creationId xmlns:a16="http://schemas.microsoft.com/office/drawing/2014/main" id="{53BBBF18-AD9C-4F40-5760-91B5328C3A0D}"/>
-              </a:ext>
-            </a:extLst>
-          </p:cNvPr>
-          <p:cNvPicPr>
-            <a:picLocks noChangeAspect="1" noChangeArrowheads="1"/>
-          </p:cNvPicPr>
-          <p:nvPr/>
-        </p:nvPicPr>
-        <p:blipFill>
-          <a:blip r:embed="rId5">
-            <a:extLst>
-              <a:ext uri="{28A0092B-C50C-407E-A947-70E740481C1C}">
-                <a14:useLocalDpi xmlns:a14="http://schemas.microsoft.com/office/drawing/2010/main" val="0"/>
-              </a:ext>
-            </a:extLst>
-          </a:blip>
-          <a:srcRect/>
-          <a:stretch>
-            <a:fillRect/>
-          </a:stretch>
-        </p:blipFill>
-        <p:spPr bwMode="auto">
-          <a:xfrm>
-            <a:off x="9783764" y="2276347"/>
-            <a:ext cx="1061296" cy="1040211"/>
-          </a:xfrm>
-          <a:prstGeom prst="rect">
-            <a:avLst/>
-          </a:prstGeom>
-          <a:noFill/>
-          <a:extLst>
-            <a:ext uri="{909E8E84-426E-40DD-AFC4-6F175D3DCCD1}">
-              <a14:hiddenFill xmlns:a14="http://schemas.microsoft.com/office/drawing/2010/main">
-                <a:solidFill>
-                  <a:srgbClr val="FFFFFF"/>
-                </a:solidFill>
-              </a14:hiddenFill>
-            </a:ext>
-          </a:extLst>
-        </p:spPr>
-      </p:pic>
-      <p:sp>
-        <p:nvSpPr>
-          <p:cNvPr id="12" name="TextBox 11">
-            <a:extLst>
-              <a:ext uri="{FF2B5EF4-FFF2-40B4-BE49-F238E27FC236}">
-                <a16:creationId xmlns:a16="http://schemas.microsoft.com/office/drawing/2014/main" id="{CF430031-78C1-A525-F93A-35EF9DC9AF70}"/>
-              </a:ext>
-            </a:extLst>
-          </p:cNvPr>
-          <p:cNvSpPr txBox="1"/>
-          <p:nvPr/>
-        </p:nvSpPr>
-        <p:spPr>
-          <a:xfrm>
-            <a:off x="9501419" y="3524305"/>
-            <a:ext cx="2190600" cy="800219"/>
-          </a:xfrm>
-          <a:prstGeom prst="rect">
-            <a:avLst/>
-          </a:prstGeom>
-          <a:noFill/>
-        </p:spPr>
-        <p:txBody>
-          <a:bodyPr wrap="none" rtlCol="0">
-            <a:spAutoFit/>
-          </a:bodyPr>
-          <a:lstStyle/>
-          <a:p>
-            <a:r>
-              <a:rPr lang="en-US" dirty="0">
-                <a:solidFill>
-                  <a:schemeClr val="tx2">
-                    <a:lumMod val="60000"/>
-                    <a:lumOff val="40000"/>
-                  </a:schemeClr>
-                </a:solidFill>
-              </a:rPr>
-              <a:t>High-speed IO</a:t>
-            </a:r>
-            <a:br>
-              <a:rPr lang="en-US" dirty="0"/>
-            </a:br>
-            <a:r>
-              <a:rPr lang="en-US" sz="1400" dirty="0"/>
-              <a:t>Network interface,</a:t>
-            </a:r>
-            <a:br>
-              <a:rPr lang="en-US" sz="1400" dirty="0"/>
-            </a:br>
-            <a:r>
-              <a:rPr lang="en-US" sz="1400" dirty="0"/>
-              <a:t>Digital communication data</a:t>
-            </a:r>
-          </a:p>
-        </p:txBody>
-      </p:sp>
-      <p:sp>
-        <p:nvSpPr>
-          <p:cNvPr id="13" name="Arrow: Left-Right 12">
-            <a:extLst>
-              <a:ext uri="{FF2B5EF4-FFF2-40B4-BE49-F238E27FC236}">
-                <a16:creationId xmlns:a16="http://schemas.microsoft.com/office/drawing/2014/main" id="{DAEA89D4-5BC4-1DE4-A51F-6C67BAF270A7}"/>
-              </a:ext>
-            </a:extLst>
-          </p:cNvPr>
-          <p:cNvSpPr/>
-          <p:nvPr/>
-        </p:nvSpPr>
-        <p:spPr>
-          <a:xfrm>
-            <a:off x="8716172" y="2608753"/>
-            <a:ext cx="629035" cy="314450"/>
-          </a:xfrm>
-          <a:prstGeom prst="leftRightArrow">
-            <a:avLst/>
-          </a:prstGeom>
-          <a:solidFill>
-            <a:schemeClr val="accent1">
-              <a:lumMod val="20000"/>
-              <a:lumOff val="80000"/>
-            </a:schemeClr>
-          </a:solidFill>
-        </p:spPr>
-        <p:style>
-          <a:lnRef idx="2">
-            <a:schemeClr val="accent1">
-              <a:shade val="15000"/>
-            </a:schemeClr>
-          </a:lnRef>
-          <a:fillRef idx="1">
-            <a:schemeClr val="accent1"/>
-          </a:fillRef>
-          <a:effectRef idx="0">
-            <a:schemeClr val="accent1"/>
-          </a:effectRef>
-          <a:fontRef idx="minor">
-            <a:schemeClr val="lt1"/>
-          </a:fontRef>
-        </p:style>
-        <p:txBody>
-          <a:bodyPr rtlCol="0" anchor="ctr"/>
-          <a:lstStyle/>
-          <a:p>
-            <a:pPr algn="ctr"/>
-            <a:endParaRPr lang="en-US"/>
-          </a:p>
-        </p:txBody>
-      </p:sp>
-      <p:sp>
-        <p:nvSpPr>
-          <p:cNvPr id="14" name="Arrow: Left-Right 13">
-            <a:extLst>
-              <a:ext uri="{FF2B5EF4-FFF2-40B4-BE49-F238E27FC236}">
-                <a16:creationId xmlns:a16="http://schemas.microsoft.com/office/drawing/2014/main" id="{DE51F192-7062-0ADD-6BFB-59AF2B741A08}"/>
-              </a:ext>
-            </a:extLst>
-          </p:cNvPr>
-          <p:cNvSpPr/>
-          <p:nvPr/>
-        </p:nvSpPr>
-        <p:spPr>
-          <a:xfrm>
-            <a:off x="2622763" y="2608753"/>
-            <a:ext cx="629035" cy="314450"/>
-          </a:xfrm>
-          <a:prstGeom prst="leftRightArrow">
-            <a:avLst/>
-          </a:prstGeom>
-          <a:solidFill>
-            <a:schemeClr val="accent1">
-              <a:lumMod val="20000"/>
-              <a:lumOff val="80000"/>
-            </a:schemeClr>
-          </a:solidFill>
-        </p:spPr>
-        <p:style>
-          <a:lnRef idx="2">
-            <a:schemeClr val="accent1">
-              <a:shade val="15000"/>
-            </a:schemeClr>
-          </a:lnRef>
-          <a:fillRef idx="1">
-            <a:schemeClr val="accent1"/>
-          </a:fillRef>
-          <a:effectRef idx="0">
-            <a:schemeClr val="accent1"/>
-          </a:effectRef>
-          <a:fontRef idx="minor">
-            <a:schemeClr val="lt1"/>
-          </a:fontRef>
-        </p:style>
-        <p:txBody>
-          <a:bodyPr rtlCol="0" anchor="ctr"/>
-          <a:lstStyle/>
-          <a:p>
-            <a:pPr algn="ctr"/>
-            <a:endParaRPr lang="en-US"/>
-          </a:p>
-        </p:txBody>
-      </p:sp>
-      <p:sp>
-        <p:nvSpPr>
-          <p:cNvPr id="15" name="Rectangle: Rounded Corners 14">
-            <a:extLst>
-              <a:ext uri="{FF2B5EF4-FFF2-40B4-BE49-F238E27FC236}">
-                <a16:creationId xmlns:a16="http://schemas.microsoft.com/office/drawing/2014/main" id="{EC07B97A-280B-AD24-0061-71B4B7686AD6}"/>
-              </a:ext>
-            </a:extLst>
-          </p:cNvPr>
-          <p:cNvSpPr/>
-          <p:nvPr/>
-        </p:nvSpPr>
-        <p:spPr>
-          <a:xfrm>
-            <a:off x="6774787" y="4775891"/>
-            <a:ext cx="1820233" cy="427434"/>
-          </a:xfrm>
-          <a:prstGeom prst="roundRect">
-            <a:avLst/>
-          </a:prstGeom>
-          <a:solidFill>
-            <a:schemeClr val="accent1">
-              <a:lumMod val="20000"/>
-              <a:lumOff val="80000"/>
-            </a:schemeClr>
-          </a:solidFill>
-        </p:spPr>
-        <p:style>
-          <a:lnRef idx="2">
-            <a:schemeClr val="accent1">
-              <a:shade val="15000"/>
-            </a:schemeClr>
-          </a:lnRef>
-          <a:fillRef idx="1">
-            <a:schemeClr val="accent1"/>
-          </a:fillRef>
-          <a:effectRef idx="0">
-            <a:schemeClr val="accent1"/>
-          </a:effectRef>
-          <a:fontRef idx="minor">
-            <a:schemeClr val="lt1"/>
-          </a:fontRef>
-        </p:style>
-        <p:txBody>
-          <a:bodyPr rtlCol="0" anchor="ctr"/>
-          <a:lstStyle/>
-          <a:p>
-            <a:pPr algn="ctr"/>
-            <a:r>
-              <a:rPr lang="en-US" sz="2000" dirty="0">
-                <a:solidFill>
-                  <a:schemeClr val="tx2"/>
-                </a:solidFill>
-              </a:rPr>
-              <a:t>This class</a:t>
-            </a:r>
-          </a:p>
-        </p:txBody>
-      </p:sp>
-    </p:spTree>
-    <p:extLst>
-      <p:ext uri="{BB962C8B-B14F-4D97-AF65-F5344CB8AC3E}">
-        <p14:creationId xmlns:p14="http://schemas.microsoft.com/office/powerpoint/2010/main" val="3869065047"/>
       </p:ext>
     </p:extLst>
   </p:cSld>
@@ -9710,7 +9201,7 @@
           <p:cNvPr id="2" name="Title 1">
             <a:extLst>
               <a:ext uri="{FF2B5EF4-FFF2-40B4-BE49-F238E27FC236}">
-                <a16:creationId xmlns:a16="http://schemas.microsoft.com/office/drawing/2014/main" id="{F70220A4-5278-111F-CB4E-7533CCDE6AAB}"/>
+                <a16:creationId xmlns:a16="http://schemas.microsoft.com/office/drawing/2014/main" id="{D3438B30-FC83-FD9A-583F-510175BC5943}"/>
               </a:ext>
             </a:extLst>
           </p:cNvPr>
@@ -9728,6 +9219,747 @@
           <a:p>
             <a:r>
               <a:rPr lang="en-US" dirty="0"/>
+              <a:t>Accelerator or IP Model</a:t>
+            </a:r>
+          </a:p>
+        </p:txBody>
+      </p:sp>
+      <p:sp>
+        <p:nvSpPr>
+          <p:cNvPr id="4" name="Slide Number Placeholder 3">
+            <a:extLst>
+              <a:ext uri="{FF2B5EF4-FFF2-40B4-BE49-F238E27FC236}">
+                <a16:creationId xmlns:a16="http://schemas.microsoft.com/office/drawing/2014/main" id="{4C480D9B-BAD9-C35E-A10A-2ADCD901A484}"/>
+              </a:ext>
+            </a:extLst>
+          </p:cNvPr>
+          <p:cNvSpPr>
+            <a:spLocks noGrp="1"/>
+          </p:cNvSpPr>
+          <p:nvPr>
+            <p:ph type="sldNum" sz="quarter" idx="12"/>
+          </p:nvPr>
+        </p:nvSpPr>
+        <p:spPr/>
+        <p:txBody>
+          <a:bodyPr/>
+          <a:lstStyle/>
+          <a:p>
+            <a:fld id="{629637A9-119A-49DA-BD12-AAC58B377D80}" type="slidenum">
+              <a:rPr lang="en-US" smtClean="0"/>
+              <a:t>20</a:t>
+            </a:fld>
+            <a:endParaRPr lang="en-US" dirty="0"/>
+          </a:p>
+        </p:txBody>
+      </p:sp>
+      <p:pic>
+        <p:nvPicPr>
+          <p:cNvPr id="5" name="Picture 2" descr="Asic - Free icons">
+            <a:extLst>
+              <a:ext uri="{FF2B5EF4-FFF2-40B4-BE49-F238E27FC236}">
+                <a16:creationId xmlns:a16="http://schemas.microsoft.com/office/drawing/2014/main" id="{2D198A59-C386-E6F1-2136-1EB5E3DA232A}"/>
+              </a:ext>
+            </a:extLst>
+          </p:cNvPr>
+          <p:cNvPicPr>
+            <a:picLocks noChangeAspect="1" noChangeArrowheads="1"/>
+          </p:cNvPicPr>
+          <p:nvPr/>
+        </p:nvPicPr>
+        <p:blipFill>
+          <a:blip r:embed="rId2">
+            <a:extLst>
+              <a:ext uri="{28A0092B-C50C-407E-A947-70E740481C1C}">
+                <a14:useLocalDpi xmlns:a14="http://schemas.microsoft.com/office/drawing/2010/main" val="0"/>
+              </a:ext>
+            </a:extLst>
+          </a:blip>
+          <a:srcRect/>
+          <a:stretch>
+            <a:fillRect/>
+          </a:stretch>
+        </p:blipFill>
+        <p:spPr bwMode="auto">
+          <a:xfrm>
+            <a:off x="6951922" y="2229558"/>
+            <a:ext cx="1072840" cy="1072840"/>
+          </a:xfrm>
+          <a:prstGeom prst="rect">
+            <a:avLst/>
+          </a:prstGeom>
+          <a:noFill/>
+          <a:extLst>
+            <a:ext uri="{909E8E84-426E-40DD-AFC4-6F175D3DCCD1}">
+              <a14:hiddenFill xmlns:a14="http://schemas.microsoft.com/office/drawing/2010/main">
+                <a:solidFill>
+                  <a:srgbClr val="FFFFFF"/>
+                </a:solidFill>
+              </a14:hiddenFill>
+            </a:ext>
+          </a:extLst>
+        </p:spPr>
+      </p:pic>
+      <p:sp>
+        <p:nvSpPr>
+          <p:cNvPr id="6" name="TextBox 5">
+            <a:extLst>
+              <a:ext uri="{FF2B5EF4-FFF2-40B4-BE49-F238E27FC236}">
+                <a16:creationId xmlns:a16="http://schemas.microsoft.com/office/drawing/2014/main" id="{69364BE1-B536-A9DB-31A1-CC63C0C6092E}"/>
+              </a:ext>
+            </a:extLst>
+          </p:cNvPr>
+          <p:cNvSpPr txBox="1"/>
+          <p:nvPr/>
+        </p:nvSpPr>
+        <p:spPr>
+          <a:xfrm>
+            <a:off x="6339119" y="3541953"/>
+            <a:ext cx="2691571" cy="800219"/>
+          </a:xfrm>
+          <a:prstGeom prst="rect">
+            <a:avLst/>
+          </a:prstGeom>
+          <a:noFill/>
+        </p:spPr>
+        <p:txBody>
+          <a:bodyPr wrap="none" rtlCol="0">
+            <a:spAutoFit/>
+          </a:bodyPr>
+          <a:lstStyle/>
+          <a:p>
+            <a:r>
+              <a:rPr lang="en-US" dirty="0">
+                <a:solidFill>
+                  <a:schemeClr val="tx2">
+                    <a:lumMod val="60000"/>
+                    <a:lumOff val="40000"/>
+                  </a:schemeClr>
+                </a:solidFill>
+              </a:rPr>
+              <a:t>Hardware IP or accelerator</a:t>
+            </a:r>
+            <a:br>
+              <a:rPr lang="en-US" dirty="0"/>
+            </a:br>
+            <a:r>
+              <a:rPr lang="en-US" sz="1400" dirty="0"/>
+              <a:t>Compute intensive tasks</a:t>
+            </a:r>
+          </a:p>
+          <a:p>
+            <a:r>
+              <a:rPr lang="en-US" sz="1400" dirty="0"/>
+              <a:t>Domain specific</a:t>
+            </a:r>
+          </a:p>
+        </p:txBody>
+      </p:sp>
+      <p:pic>
+        <p:nvPicPr>
+          <p:cNvPr id="7" name="Picture 6" descr="Desktop Computer Icon Computer PNG &amp; SVG Design For T-Shirts">
+            <a:extLst>
+              <a:ext uri="{FF2B5EF4-FFF2-40B4-BE49-F238E27FC236}">
+                <a16:creationId xmlns:a16="http://schemas.microsoft.com/office/drawing/2014/main" id="{582F8914-FDA1-332F-1F34-58FC78D7B8EC}"/>
+              </a:ext>
+            </a:extLst>
+          </p:cNvPr>
+          <p:cNvPicPr>
+            <a:picLocks noChangeAspect="1" noChangeArrowheads="1"/>
+          </p:cNvPicPr>
+          <p:nvPr/>
+        </p:nvPicPr>
+        <p:blipFill>
+          <a:blip r:embed="rId3">
+            <a:extLst>
+              <a:ext uri="{28A0092B-C50C-407E-A947-70E740481C1C}">
+                <a14:useLocalDpi xmlns:a14="http://schemas.microsoft.com/office/drawing/2010/main" val="0"/>
+              </a:ext>
+            </a:extLst>
+          </a:blip>
+          <a:srcRect/>
+          <a:stretch>
+            <a:fillRect/>
+          </a:stretch>
+        </p:blipFill>
+        <p:spPr bwMode="auto">
+          <a:xfrm>
+            <a:off x="670438" y="1948043"/>
+            <a:ext cx="1606455" cy="1606455"/>
+          </a:xfrm>
+          <a:prstGeom prst="rect">
+            <a:avLst/>
+          </a:prstGeom>
+          <a:noFill/>
+          <a:extLst>
+            <a:ext uri="{909E8E84-426E-40DD-AFC4-6F175D3DCCD1}">
+              <a14:hiddenFill xmlns:a14="http://schemas.microsoft.com/office/drawing/2010/main">
+                <a:solidFill>
+                  <a:srgbClr val="FFFFFF"/>
+                </a:solidFill>
+              </a14:hiddenFill>
+            </a:ext>
+          </a:extLst>
+        </p:spPr>
+      </p:pic>
+      <p:sp>
+        <p:nvSpPr>
+          <p:cNvPr id="8" name="Arrow: Left-Right 7">
+            <a:extLst>
+              <a:ext uri="{FF2B5EF4-FFF2-40B4-BE49-F238E27FC236}">
+                <a16:creationId xmlns:a16="http://schemas.microsoft.com/office/drawing/2014/main" id="{CC71A5C9-D584-DF02-58FB-2DA2DA0B1EDC}"/>
+              </a:ext>
+            </a:extLst>
+          </p:cNvPr>
+          <p:cNvSpPr/>
+          <p:nvPr/>
+        </p:nvSpPr>
+        <p:spPr>
+          <a:xfrm>
+            <a:off x="5900982" y="2589821"/>
+            <a:ext cx="629035" cy="314450"/>
+          </a:xfrm>
+          <a:prstGeom prst="leftRightArrow">
+            <a:avLst/>
+          </a:prstGeom>
+          <a:solidFill>
+            <a:schemeClr val="accent1">
+              <a:lumMod val="20000"/>
+              <a:lumOff val="80000"/>
+            </a:schemeClr>
+          </a:solidFill>
+        </p:spPr>
+        <p:style>
+          <a:lnRef idx="2">
+            <a:schemeClr val="accent1">
+              <a:shade val="15000"/>
+            </a:schemeClr>
+          </a:lnRef>
+          <a:fillRef idx="1">
+            <a:schemeClr val="accent1"/>
+          </a:fillRef>
+          <a:effectRef idx="0">
+            <a:schemeClr val="accent1"/>
+          </a:effectRef>
+          <a:fontRef idx="minor">
+            <a:schemeClr val="lt1"/>
+          </a:fontRef>
+        </p:style>
+        <p:txBody>
+          <a:bodyPr rtlCol="0" anchor="ctr"/>
+          <a:lstStyle/>
+          <a:p>
+            <a:pPr algn="ctr"/>
+            <a:endParaRPr lang="en-US"/>
+          </a:p>
+        </p:txBody>
+      </p:sp>
+      <p:sp>
+        <p:nvSpPr>
+          <p:cNvPr id="9" name="TextBox 8">
+            <a:extLst>
+              <a:ext uri="{FF2B5EF4-FFF2-40B4-BE49-F238E27FC236}">
+                <a16:creationId xmlns:a16="http://schemas.microsoft.com/office/drawing/2014/main" id="{BECA358E-D56C-FFD2-9565-B5F5EAC15C78}"/>
+              </a:ext>
+            </a:extLst>
+          </p:cNvPr>
+          <p:cNvSpPr txBox="1"/>
+          <p:nvPr/>
+        </p:nvSpPr>
+        <p:spPr>
+          <a:xfrm>
+            <a:off x="3547478" y="3541952"/>
+            <a:ext cx="1944635" cy="1200329"/>
+          </a:xfrm>
+          <a:prstGeom prst="rect">
+            <a:avLst/>
+          </a:prstGeom>
+          <a:noFill/>
+        </p:spPr>
+        <p:txBody>
+          <a:bodyPr wrap="none" rtlCol="0">
+            <a:spAutoFit/>
+          </a:bodyPr>
+          <a:lstStyle/>
+          <a:p>
+            <a:r>
+              <a:rPr lang="en-US" sz="1600" dirty="0">
+                <a:solidFill>
+                  <a:schemeClr val="tx2">
+                    <a:lumMod val="60000"/>
+                    <a:lumOff val="40000"/>
+                  </a:schemeClr>
+                </a:solidFill>
+              </a:rPr>
+              <a:t>Embedded Processor</a:t>
+            </a:r>
+            <a:br>
+              <a:rPr lang="en-US" sz="1600" dirty="0"/>
+            </a:br>
+            <a:r>
+              <a:rPr lang="en-US" sz="1400" dirty="0"/>
+              <a:t>(DSP, ARM,…)</a:t>
+            </a:r>
+            <a:br>
+              <a:rPr lang="en-US" sz="1400" dirty="0"/>
+            </a:br>
+            <a:r>
+              <a:rPr lang="en-US" sz="1400" dirty="0"/>
+              <a:t>Configures HW,</a:t>
+            </a:r>
+            <a:br>
+              <a:rPr lang="en-US" sz="1400" dirty="0"/>
+            </a:br>
+            <a:r>
+              <a:rPr lang="en-US" sz="1400" dirty="0"/>
+              <a:t>Manages data transfer,</a:t>
+            </a:r>
+            <a:br>
+              <a:rPr lang="en-US" sz="1400" dirty="0"/>
+            </a:br>
+            <a:r>
+              <a:rPr lang="en-US" sz="1400" dirty="0"/>
+              <a:t>Performs some DSP</a:t>
+            </a:r>
+          </a:p>
+        </p:txBody>
+      </p:sp>
+      <p:pic>
+        <p:nvPicPr>
+          <p:cNvPr id="10" name="Picture 2" descr="What is a DSP chip？-Perceptive Electronic Components">
+            <a:extLst>
+              <a:ext uri="{FF2B5EF4-FFF2-40B4-BE49-F238E27FC236}">
+                <a16:creationId xmlns:a16="http://schemas.microsoft.com/office/drawing/2014/main" id="{1A2093CD-7818-780C-D674-5FC9CF4B5254}"/>
+              </a:ext>
+            </a:extLst>
+          </p:cNvPr>
+          <p:cNvPicPr>
+            <a:picLocks noChangeAspect="1" noChangeArrowheads="1"/>
+          </p:cNvPicPr>
+          <p:nvPr/>
+        </p:nvPicPr>
+        <p:blipFill>
+          <a:blip r:embed="rId4">
+            <a:extLst>
+              <a:ext uri="{28A0092B-C50C-407E-A947-70E740481C1C}">
+                <a14:useLocalDpi xmlns:a14="http://schemas.microsoft.com/office/drawing/2010/main" val="0"/>
+              </a:ext>
+            </a:extLst>
+          </a:blip>
+          <a:srcRect/>
+          <a:stretch>
+            <a:fillRect/>
+          </a:stretch>
+        </p:blipFill>
+        <p:spPr bwMode="auto">
+          <a:xfrm>
+            <a:off x="3638551" y="2215909"/>
+            <a:ext cx="1508972" cy="1100137"/>
+          </a:xfrm>
+          <a:prstGeom prst="rect">
+            <a:avLst/>
+          </a:prstGeom>
+          <a:noFill/>
+          <a:extLst>
+            <a:ext uri="{909E8E84-426E-40DD-AFC4-6F175D3DCCD1}">
+              <a14:hiddenFill xmlns:a14="http://schemas.microsoft.com/office/drawing/2010/main">
+                <a:solidFill>
+                  <a:srgbClr val="FFFFFF"/>
+                </a:solidFill>
+              </a14:hiddenFill>
+            </a:ext>
+          </a:extLst>
+        </p:spPr>
+      </p:pic>
+      <p:sp>
+        <p:nvSpPr>
+          <p:cNvPr id="11" name="TextBox 10">
+            <a:extLst>
+              <a:ext uri="{FF2B5EF4-FFF2-40B4-BE49-F238E27FC236}">
+                <a16:creationId xmlns:a16="http://schemas.microsoft.com/office/drawing/2014/main" id="{A1A5ED07-1D32-CB91-D927-26E7A0349461}"/>
+              </a:ext>
+            </a:extLst>
+          </p:cNvPr>
+          <p:cNvSpPr txBox="1"/>
+          <p:nvPr/>
+        </p:nvSpPr>
+        <p:spPr>
+          <a:xfrm>
+            <a:off x="744162" y="3575562"/>
+            <a:ext cx="2095317" cy="1200329"/>
+          </a:xfrm>
+          <a:prstGeom prst="rect">
+            <a:avLst/>
+          </a:prstGeom>
+          <a:noFill/>
+        </p:spPr>
+        <p:txBody>
+          <a:bodyPr wrap="none" rtlCol="0">
+            <a:spAutoFit/>
+          </a:bodyPr>
+          <a:lstStyle/>
+          <a:p>
+            <a:r>
+              <a:rPr lang="en-US" sz="1600" dirty="0">
+                <a:solidFill>
+                  <a:schemeClr val="tx2">
+                    <a:lumMod val="60000"/>
+                    <a:lumOff val="40000"/>
+                  </a:schemeClr>
+                </a:solidFill>
+              </a:rPr>
+              <a:t>Host system</a:t>
+            </a:r>
+            <a:br>
+              <a:rPr lang="en-US" sz="1600" dirty="0"/>
+            </a:br>
+            <a:r>
+              <a:rPr lang="en-US" sz="1400" dirty="0"/>
+              <a:t>Runs main application,</a:t>
+            </a:r>
+            <a:br>
+              <a:rPr lang="en-US" sz="1400" dirty="0"/>
+            </a:br>
+            <a:r>
+              <a:rPr lang="en-US" sz="1400" dirty="0"/>
+              <a:t>User interface,</a:t>
+            </a:r>
+            <a:br>
+              <a:rPr lang="en-US" sz="1400" dirty="0"/>
+            </a:br>
+            <a:r>
+              <a:rPr lang="en-US" sz="1400" dirty="0"/>
+              <a:t>May be embedded as well</a:t>
+            </a:r>
+            <a:br>
+              <a:rPr lang="en-US" sz="1400" dirty="0"/>
+            </a:br>
+            <a:r>
+              <a:rPr lang="en-US" sz="1400" dirty="0"/>
+              <a:t>(e.g., smartphone)</a:t>
+            </a:r>
+          </a:p>
+        </p:txBody>
+      </p:sp>
+      <p:pic>
+        <p:nvPicPr>
+          <p:cNvPr id="8194" name="Picture 2">
+            <a:extLst>
+              <a:ext uri="{FF2B5EF4-FFF2-40B4-BE49-F238E27FC236}">
+                <a16:creationId xmlns:a16="http://schemas.microsoft.com/office/drawing/2014/main" id="{53BBBF18-AD9C-4F40-5760-91B5328C3A0D}"/>
+              </a:ext>
+            </a:extLst>
+          </p:cNvPr>
+          <p:cNvPicPr>
+            <a:picLocks noChangeAspect="1" noChangeArrowheads="1"/>
+          </p:cNvPicPr>
+          <p:nvPr/>
+        </p:nvPicPr>
+        <p:blipFill>
+          <a:blip r:embed="rId5">
+            <a:extLst>
+              <a:ext uri="{28A0092B-C50C-407E-A947-70E740481C1C}">
+                <a14:useLocalDpi xmlns:a14="http://schemas.microsoft.com/office/drawing/2010/main" val="0"/>
+              </a:ext>
+            </a:extLst>
+          </a:blip>
+          <a:srcRect/>
+          <a:stretch>
+            <a:fillRect/>
+          </a:stretch>
+        </p:blipFill>
+        <p:spPr bwMode="auto">
+          <a:xfrm>
+            <a:off x="9783764" y="2276347"/>
+            <a:ext cx="1061296" cy="1040211"/>
+          </a:xfrm>
+          <a:prstGeom prst="rect">
+            <a:avLst/>
+          </a:prstGeom>
+          <a:noFill/>
+          <a:extLst>
+            <a:ext uri="{909E8E84-426E-40DD-AFC4-6F175D3DCCD1}">
+              <a14:hiddenFill xmlns:a14="http://schemas.microsoft.com/office/drawing/2010/main">
+                <a:solidFill>
+                  <a:srgbClr val="FFFFFF"/>
+                </a:solidFill>
+              </a14:hiddenFill>
+            </a:ext>
+          </a:extLst>
+        </p:spPr>
+      </p:pic>
+      <p:sp>
+        <p:nvSpPr>
+          <p:cNvPr id="12" name="TextBox 11">
+            <a:extLst>
+              <a:ext uri="{FF2B5EF4-FFF2-40B4-BE49-F238E27FC236}">
+                <a16:creationId xmlns:a16="http://schemas.microsoft.com/office/drawing/2014/main" id="{CF430031-78C1-A525-F93A-35EF9DC9AF70}"/>
+              </a:ext>
+            </a:extLst>
+          </p:cNvPr>
+          <p:cNvSpPr txBox="1"/>
+          <p:nvPr/>
+        </p:nvSpPr>
+        <p:spPr>
+          <a:xfrm>
+            <a:off x="9501419" y="3524305"/>
+            <a:ext cx="2190600" cy="800219"/>
+          </a:xfrm>
+          <a:prstGeom prst="rect">
+            <a:avLst/>
+          </a:prstGeom>
+          <a:noFill/>
+        </p:spPr>
+        <p:txBody>
+          <a:bodyPr wrap="none" rtlCol="0">
+            <a:spAutoFit/>
+          </a:bodyPr>
+          <a:lstStyle/>
+          <a:p>
+            <a:r>
+              <a:rPr lang="en-US" dirty="0">
+                <a:solidFill>
+                  <a:schemeClr val="tx2">
+                    <a:lumMod val="60000"/>
+                    <a:lumOff val="40000"/>
+                  </a:schemeClr>
+                </a:solidFill>
+              </a:rPr>
+              <a:t>High-speed IO</a:t>
+            </a:r>
+            <a:br>
+              <a:rPr lang="en-US" dirty="0"/>
+            </a:br>
+            <a:r>
+              <a:rPr lang="en-US" sz="1400" dirty="0"/>
+              <a:t>Network interface,</a:t>
+            </a:r>
+            <a:br>
+              <a:rPr lang="en-US" sz="1400" dirty="0"/>
+            </a:br>
+            <a:r>
+              <a:rPr lang="en-US" sz="1400" dirty="0"/>
+              <a:t>Digital communication data</a:t>
+            </a:r>
+          </a:p>
+        </p:txBody>
+      </p:sp>
+      <p:sp>
+        <p:nvSpPr>
+          <p:cNvPr id="13" name="Arrow: Left-Right 12">
+            <a:extLst>
+              <a:ext uri="{FF2B5EF4-FFF2-40B4-BE49-F238E27FC236}">
+                <a16:creationId xmlns:a16="http://schemas.microsoft.com/office/drawing/2014/main" id="{DAEA89D4-5BC4-1DE4-A51F-6C67BAF270A7}"/>
+              </a:ext>
+            </a:extLst>
+          </p:cNvPr>
+          <p:cNvSpPr/>
+          <p:nvPr/>
+        </p:nvSpPr>
+        <p:spPr>
+          <a:xfrm>
+            <a:off x="8716172" y="2608753"/>
+            <a:ext cx="629035" cy="314450"/>
+          </a:xfrm>
+          <a:prstGeom prst="leftRightArrow">
+            <a:avLst/>
+          </a:prstGeom>
+          <a:solidFill>
+            <a:schemeClr val="accent1">
+              <a:lumMod val="20000"/>
+              <a:lumOff val="80000"/>
+            </a:schemeClr>
+          </a:solidFill>
+        </p:spPr>
+        <p:style>
+          <a:lnRef idx="2">
+            <a:schemeClr val="accent1">
+              <a:shade val="15000"/>
+            </a:schemeClr>
+          </a:lnRef>
+          <a:fillRef idx="1">
+            <a:schemeClr val="accent1"/>
+          </a:fillRef>
+          <a:effectRef idx="0">
+            <a:schemeClr val="accent1"/>
+          </a:effectRef>
+          <a:fontRef idx="minor">
+            <a:schemeClr val="lt1"/>
+          </a:fontRef>
+        </p:style>
+        <p:txBody>
+          <a:bodyPr rtlCol="0" anchor="ctr"/>
+          <a:lstStyle/>
+          <a:p>
+            <a:pPr algn="ctr"/>
+            <a:endParaRPr lang="en-US"/>
+          </a:p>
+        </p:txBody>
+      </p:sp>
+      <p:sp>
+        <p:nvSpPr>
+          <p:cNvPr id="14" name="Arrow: Left-Right 13">
+            <a:extLst>
+              <a:ext uri="{FF2B5EF4-FFF2-40B4-BE49-F238E27FC236}">
+                <a16:creationId xmlns:a16="http://schemas.microsoft.com/office/drawing/2014/main" id="{DE51F192-7062-0ADD-6BFB-59AF2B741A08}"/>
+              </a:ext>
+            </a:extLst>
+          </p:cNvPr>
+          <p:cNvSpPr/>
+          <p:nvPr/>
+        </p:nvSpPr>
+        <p:spPr>
+          <a:xfrm>
+            <a:off x="2622763" y="2608753"/>
+            <a:ext cx="629035" cy="314450"/>
+          </a:xfrm>
+          <a:prstGeom prst="leftRightArrow">
+            <a:avLst/>
+          </a:prstGeom>
+          <a:solidFill>
+            <a:schemeClr val="accent1">
+              <a:lumMod val="20000"/>
+              <a:lumOff val="80000"/>
+            </a:schemeClr>
+          </a:solidFill>
+        </p:spPr>
+        <p:style>
+          <a:lnRef idx="2">
+            <a:schemeClr val="accent1">
+              <a:shade val="15000"/>
+            </a:schemeClr>
+          </a:lnRef>
+          <a:fillRef idx="1">
+            <a:schemeClr val="accent1"/>
+          </a:fillRef>
+          <a:effectRef idx="0">
+            <a:schemeClr val="accent1"/>
+          </a:effectRef>
+          <a:fontRef idx="minor">
+            <a:schemeClr val="lt1"/>
+          </a:fontRef>
+        </p:style>
+        <p:txBody>
+          <a:bodyPr rtlCol="0" anchor="ctr"/>
+          <a:lstStyle/>
+          <a:p>
+            <a:pPr algn="ctr"/>
+            <a:endParaRPr lang="en-US"/>
+          </a:p>
+        </p:txBody>
+      </p:sp>
+      <p:sp>
+        <p:nvSpPr>
+          <p:cNvPr id="15" name="Rectangle: Rounded Corners 14">
+            <a:extLst>
+              <a:ext uri="{FF2B5EF4-FFF2-40B4-BE49-F238E27FC236}">
+                <a16:creationId xmlns:a16="http://schemas.microsoft.com/office/drawing/2014/main" id="{EC07B97A-280B-AD24-0061-71B4B7686AD6}"/>
+              </a:ext>
+            </a:extLst>
+          </p:cNvPr>
+          <p:cNvSpPr/>
+          <p:nvPr/>
+        </p:nvSpPr>
+        <p:spPr>
+          <a:xfrm>
+            <a:off x="6774787" y="4775891"/>
+            <a:ext cx="1820233" cy="427434"/>
+          </a:xfrm>
+          <a:prstGeom prst="roundRect">
+            <a:avLst/>
+          </a:prstGeom>
+          <a:solidFill>
+            <a:schemeClr val="accent1">
+              <a:lumMod val="20000"/>
+              <a:lumOff val="80000"/>
+            </a:schemeClr>
+          </a:solidFill>
+        </p:spPr>
+        <p:style>
+          <a:lnRef idx="2">
+            <a:schemeClr val="accent1">
+              <a:shade val="15000"/>
+            </a:schemeClr>
+          </a:lnRef>
+          <a:fillRef idx="1">
+            <a:schemeClr val="accent1"/>
+          </a:fillRef>
+          <a:effectRef idx="0">
+            <a:schemeClr val="accent1"/>
+          </a:effectRef>
+          <a:fontRef idx="minor">
+            <a:schemeClr val="lt1"/>
+          </a:fontRef>
+        </p:style>
+        <p:txBody>
+          <a:bodyPr rtlCol="0" anchor="ctr"/>
+          <a:lstStyle/>
+          <a:p>
+            <a:pPr algn="ctr"/>
+            <a:r>
+              <a:rPr lang="en-US" sz="2000" dirty="0">
+                <a:solidFill>
+                  <a:schemeClr val="tx2"/>
+                </a:solidFill>
+              </a:rPr>
+              <a:t>This class</a:t>
+            </a:r>
+          </a:p>
+        </p:txBody>
+      </p:sp>
+    </p:spTree>
+    <p:extLst>
+      <p:ext uri="{BB962C8B-B14F-4D97-AF65-F5344CB8AC3E}">
+        <p14:creationId xmlns:p14="http://schemas.microsoft.com/office/powerpoint/2010/main" val="3869065047"/>
+      </p:ext>
+    </p:extLst>
+  </p:cSld>
+  <p:clrMapOvr>
+    <a:masterClrMapping/>
+  </p:clrMapOvr>
+</p:sld>
+</file>
+
+<file path=ppt/slides/slide21.xml><?xml version="1.0" encoding="utf-8"?>
+<p:sld xmlns:a="http://schemas.openxmlformats.org/drawingml/2006/main" xmlns:r="http://schemas.openxmlformats.org/officeDocument/2006/relationships" xmlns:p="http://schemas.openxmlformats.org/presentationml/2006/main">
+  <p:cSld>
+    <p:spTree>
+      <p:nvGrpSpPr>
+        <p:cNvPr id="1" name=""/>
+        <p:cNvGrpSpPr/>
+        <p:nvPr/>
+      </p:nvGrpSpPr>
+      <p:grpSpPr>
+        <a:xfrm>
+          <a:off x="0" y="0"/>
+          <a:ext cx="0" cy="0"/>
+          <a:chOff x="0" y="0"/>
+          <a:chExt cx="0" cy="0"/>
+        </a:xfrm>
+      </p:grpSpPr>
+      <p:sp>
+        <p:nvSpPr>
+          <p:cNvPr id="2" name="Title 1">
+            <a:extLst>
+              <a:ext uri="{FF2B5EF4-FFF2-40B4-BE49-F238E27FC236}">
+                <a16:creationId xmlns:a16="http://schemas.microsoft.com/office/drawing/2014/main" id="{F70220A4-5278-111F-CB4E-7533CCDE6AAB}"/>
+              </a:ext>
+            </a:extLst>
+          </p:cNvPr>
+          <p:cNvSpPr>
+            <a:spLocks noGrp="1"/>
+          </p:cNvSpPr>
+          <p:nvPr>
+            <p:ph type="title"/>
+          </p:nvPr>
+        </p:nvSpPr>
+        <p:spPr/>
+        <p:txBody>
+          <a:bodyPr/>
+          <a:lstStyle/>
+          <a:p>
+            <a:r>
+              <a:rPr lang="en-US" dirty="0"/>
               <a:t>What is Custom Hardware Good At</a:t>
             </a:r>
           </a:p>
@@ -9870,7 +10102,7 @@
           <a:p>
             <a:fld id="{629637A9-119A-49DA-BD12-AAC58B377D80}" type="slidenum">
               <a:rPr lang="en-US" smtClean="0"/>
-              <a:t>20</a:t>
+              <a:t>21</a:t>
             </a:fld>
             <a:endParaRPr lang="en-US" dirty="0"/>
           </a:p>
@@ -9889,7 +10121,7 @@
 </p:sld>
 </file>
 
-<file path=ppt/slides/slide21.xml><?xml version="1.0" encoding="utf-8"?>
+<file path=ppt/slides/slide22.xml><?xml version="1.0" encoding="utf-8"?>
 <p:sld xmlns:a="http://schemas.openxmlformats.org/drawingml/2006/main" xmlns:r="http://schemas.openxmlformats.org/officeDocument/2006/relationships" xmlns:p="http://schemas.openxmlformats.org/presentationml/2006/main">
   <p:cSld>
     <p:spTree>
@@ -9965,7 +10197,7 @@
           <a:p>
             <a:fld id="{629637A9-119A-49DA-BD12-AAC58B377D80}" type="slidenum">
               <a:rPr lang="en-US" smtClean="0"/>
-              <a:t>21</a:t>
+              <a:t>22</a:t>
             </a:fld>
             <a:endParaRPr lang="en-US" dirty="0"/>
           </a:p>
@@ -10143,809 +10375,6 @@
     <p:extLst>
       <p:ext uri="{BB962C8B-B14F-4D97-AF65-F5344CB8AC3E}">
         <p14:creationId xmlns:p14="http://schemas.microsoft.com/office/powerpoint/2010/main" val="2182659515"/>
-      </p:ext>
-    </p:extLst>
-  </p:cSld>
-  <p:clrMapOvr>
-    <a:masterClrMapping/>
-  </p:clrMapOvr>
-</p:sld>
-</file>
-
-<file path=ppt/slides/slide22.xml><?xml version="1.0" encoding="utf-8"?>
-<p:sld xmlns:a="http://schemas.openxmlformats.org/drawingml/2006/main" xmlns:r="http://schemas.openxmlformats.org/officeDocument/2006/relationships" xmlns:p="http://schemas.openxmlformats.org/presentationml/2006/main">
-  <p:cSld>
-    <p:spTree>
-      <p:nvGrpSpPr>
-        <p:cNvPr id="1" name=""/>
-        <p:cNvGrpSpPr/>
-        <p:nvPr/>
-      </p:nvGrpSpPr>
-      <p:grpSpPr>
-        <a:xfrm>
-          <a:off x="0" y="0"/>
-          <a:ext cx="0" cy="0"/>
-          <a:chOff x="0" y="0"/>
-          <a:chExt cx="0" cy="0"/>
-        </a:xfrm>
-      </p:grpSpPr>
-      <p:sp>
-        <p:nvSpPr>
-          <p:cNvPr id="2" name="Title 1">
-            <a:extLst>
-              <a:ext uri="{FF2B5EF4-FFF2-40B4-BE49-F238E27FC236}">
-                <a16:creationId xmlns:a16="http://schemas.microsoft.com/office/drawing/2014/main" id="{D4600AE6-2F41-432B-A516-6FCFAA54F0C8}"/>
-              </a:ext>
-            </a:extLst>
-          </p:cNvPr>
-          <p:cNvSpPr>
-            <a:spLocks noGrp="1"/>
-          </p:cNvSpPr>
-          <p:nvPr>
-            <p:ph type="title"/>
-          </p:nvPr>
-        </p:nvSpPr>
-        <p:spPr/>
-        <p:txBody>
-          <a:bodyPr/>
-          <a:lstStyle/>
-          <a:p>
-            <a:r>
-              <a:rPr lang="en-US" dirty="0"/>
-              <a:t>Example:  5G Modem Core</a:t>
-            </a:r>
-          </a:p>
-        </p:txBody>
-      </p:sp>
-      <p:sp>
-        <p:nvSpPr>
-          <p:cNvPr id="4" name="Slide Number Placeholder 3">
-            <a:extLst>
-              <a:ext uri="{FF2B5EF4-FFF2-40B4-BE49-F238E27FC236}">
-                <a16:creationId xmlns:a16="http://schemas.microsoft.com/office/drawing/2014/main" id="{057407C1-DF8C-6F6E-34BD-8A9710ADC5CA}"/>
-              </a:ext>
-            </a:extLst>
-          </p:cNvPr>
-          <p:cNvSpPr>
-            <a:spLocks noGrp="1"/>
-          </p:cNvSpPr>
-          <p:nvPr>
-            <p:ph type="sldNum" sz="quarter" idx="12"/>
-          </p:nvPr>
-        </p:nvSpPr>
-        <p:spPr/>
-        <p:txBody>
-          <a:bodyPr/>
-          <a:lstStyle/>
-          <a:p>
-            <a:fld id="{629637A9-119A-49DA-BD12-AAC58B377D80}" type="slidenum">
-              <a:rPr lang="en-US" smtClean="0"/>
-              <a:t>22</a:t>
-            </a:fld>
-            <a:endParaRPr lang="en-US" dirty="0"/>
-          </a:p>
-        </p:txBody>
-      </p:sp>
-      <p:pic>
-        <p:nvPicPr>
-          <p:cNvPr id="5" name="Picture 2" descr="Asic - Free icons">
-            <a:extLst>
-              <a:ext uri="{FF2B5EF4-FFF2-40B4-BE49-F238E27FC236}">
-                <a16:creationId xmlns:a16="http://schemas.microsoft.com/office/drawing/2014/main" id="{6FD48BF5-CE27-38CF-12AF-0BC6447D91E6}"/>
-              </a:ext>
-            </a:extLst>
-          </p:cNvPr>
-          <p:cNvPicPr>
-            <a:picLocks noChangeAspect="1" noChangeArrowheads="1"/>
-          </p:cNvPicPr>
-          <p:nvPr/>
-        </p:nvPicPr>
-        <p:blipFill>
-          <a:blip r:embed="rId2">
-            <a:extLst>
-              <a:ext uri="{28A0092B-C50C-407E-A947-70E740481C1C}">
-                <a14:useLocalDpi xmlns:a14="http://schemas.microsoft.com/office/drawing/2010/main" val="0"/>
-              </a:ext>
-            </a:extLst>
-          </a:blip>
-          <a:srcRect/>
-          <a:stretch>
-            <a:fillRect/>
-          </a:stretch>
-        </p:blipFill>
-        <p:spPr bwMode="auto">
-          <a:xfrm>
-            <a:off x="6648649" y="1877057"/>
-            <a:ext cx="1026051" cy="1026051"/>
-          </a:xfrm>
-          <a:prstGeom prst="rect">
-            <a:avLst/>
-          </a:prstGeom>
-          <a:noFill/>
-          <a:extLst>
-            <a:ext uri="{909E8E84-426E-40DD-AFC4-6F175D3DCCD1}">
-              <a14:hiddenFill xmlns:a14="http://schemas.microsoft.com/office/drawing/2010/main">
-                <a:solidFill>
-                  <a:srgbClr val="FFFFFF"/>
-                </a:solidFill>
-              </a14:hiddenFill>
-            </a:ext>
-          </a:extLst>
-        </p:spPr>
-      </p:pic>
-      <p:sp>
-        <p:nvSpPr>
-          <p:cNvPr id="6" name="TextBox 5">
-            <a:extLst>
-              <a:ext uri="{FF2B5EF4-FFF2-40B4-BE49-F238E27FC236}">
-                <a16:creationId xmlns:a16="http://schemas.microsoft.com/office/drawing/2014/main" id="{BD0FEDF7-409B-2849-2219-B3751594F169}"/>
-              </a:ext>
-            </a:extLst>
-          </p:cNvPr>
-          <p:cNvSpPr txBox="1"/>
-          <p:nvPr/>
-        </p:nvSpPr>
-        <p:spPr>
-          <a:xfrm>
-            <a:off x="6767013" y="3081262"/>
-            <a:ext cx="1118383" cy="1231106"/>
-          </a:xfrm>
-          <a:prstGeom prst="rect">
-            <a:avLst/>
-          </a:prstGeom>
-          <a:noFill/>
-        </p:spPr>
-        <p:txBody>
-          <a:bodyPr wrap="none" rtlCol="0">
-            <a:spAutoFit/>
-          </a:bodyPr>
-          <a:lstStyle/>
-          <a:p>
-            <a:r>
-              <a:rPr lang="en-US" dirty="0">
-                <a:solidFill>
-                  <a:schemeClr val="tx2">
-                    <a:lumMod val="60000"/>
-                    <a:lumOff val="40000"/>
-                  </a:schemeClr>
-                </a:solidFill>
-              </a:rPr>
-              <a:t>5G HW</a:t>
-            </a:r>
-            <a:br>
-              <a:rPr lang="en-US" dirty="0"/>
-            </a:br>
-            <a:r>
-              <a:rPr lang="en-US" sz="1400" dirty="0"/>
-              <a:t>Filtering, </a:t>
-            </a:r>
-          </a:p>
-          <a:p>
-            <a:r>
-              <a:rPr lang="en-US" sz="1400" dirty="0"/>
-              <a:t>Equalization,</a:t>
-            </a:r>
-            <a:br>
-              <a:rPr lang="en-US" sz="1400" dirty="0"/>
-            </a:br>
-            <a:r>
-              <a:rPr lang="en-US" sz="1400" dirty="0"/>
-              <a:t>Decoding,</a:t>
-            </a:r>
-            <a:br>
-              <a:rPr lang="en-US" sz="1400" dirty="0"/>
-            </a:br>
-            <a:r>
-              <a:rPr lang="en-US" sz="1400" dirty="0"/>
-              <a:t>…</a:t>
-            </a:r>
-          </a:p>
-        </p:txBody>
-      </p:sp>
-      <p:sp>
-        <p:nvSpPr>
-          <p:cNvPr id="9" name="TextBox 8">
-            <a:extLst>
-              <a:ext uri="{FF2B5EF4-FFF2-40B4-BE49-F238E27FC236}">
-                <a16:creationId xmlns:a16="http://schemas.microsoft.com/office/drawing/2014/main" id="{9C0DCD87-AA70-17E0-80EC-C6B7EB92CA3B}"/>
-              </a:ext>
-            </a:extLst>
-          </p:cNvPr>
-          <p:cNvSpPr txBox="1"/>
-          <p:nvPr/>
-        </p:nvSpPr>
-        <p:spPr>
-          <a:xfrm>
-            <a:off x="3503601" y="4896899"/>
-            <a:ext cx="1993238" cy="1415772"/>
-          </a:xfrm>
-          <a:prstGeom prst="rect">
-            <a:avLst/>
-          </a:prstGeom>
-          <a:noFill/>
-        </p:spPr>
-        <p:txBody>
-          <a:bodyPr wrap="none" rtlCol="0">
-            <a:spAutoFit/>
-          </a:bodyPr>
-          <a:lstStyle/>
-          <a:p>
-            <a:r>
-              <a:rPr lang="en-US" sz="1600" dirty="0">
-                <a:solidFill>
-                  <a:schemeClr val="tx2">
-                    <a:lumMod val="60000"/>
-                    <a:lumOff val="40000"/>
-                  </a:schemeClr>
-                </a:solidFill>
-              </a:rPr>
-              <a:t>Hexagon DSP</a:t>
-            </a:r>
-            <a:br>
-              <a:rPr lang="en-US" sz="1600" dirty="0">
-                <a:solidFill>
-                  <a:schemeClr val="tx2">
-                    <a:lumMod val="60000"/>
-                    <a:lumOff val="40000"/>
-                  </a:schemeClr>
-                </a:solidFill>
-              </a:rPr>
-            </a:br>
-            <a:r>
-              <a:rPr lang="en-US" sz="1400" dirty="0"/>
-              <a:t>Control channels,</a:t>
-            </a:r>
-            <a:br>
-              <a:rPr lang="en-US" sz="1400" dirty="0"/>
-            </a:br>
-            <a:r>
-              <a:rPr lang="en-US" sz="1400" dirty="0"/>
-              <a:t>Infrequent, but complex,</a:t>
-            </a:r>
-            <a:br>
-              <a:rPr lang="en-US" sz="1400" dirty="0"/>
-            </a:br>
-            <a:r>
-              <a:rPr lang="en-US" sz="1400" dirty="0"/>
-              <a:t>data processing</a:t>
-            </a:r>
-            <a:br>
-              <a:rPr lang="en-US" sz="1400" dirty="0"/>
-            </a:br>
-            <a:br>
-              <a:rPr lang="en-US" sz="1400" dirty="0"/>
-            </a:br>
-            <a:r>
-              <a:rPr lang="en-US" sz="1400" dirty="0"/>
-              <a:t> 	</a:t>
-            </a:r>
-          </a:p>
-        </p:txBody>
-      </p:sp>
-      <p:sp>
-        <p:nvSpPr>
-          <p:cNvPr id="11" name="TextBox 10">
-            <a:extLst>
-              <a:ext uri="{FF2B5EF4-FFF2-40B4-BE49-F238E27FC236}">
-                <a16:creationId xmlns:a16="http://schemas.microsoft.com/office/drawing/2014/main" id="{B524EDC5-2A84-07C5-7094-C505E2BE8E98}"/>
-              </a:ext>
-            </a:extLst>
-          </p:cNvPr>
-          <p:cNvSpPr txBox="1"/>
-          <p:nvPr/>
-        </p:nvSpPr>
-        <p:spPr>
-          <a:xfrm>
-            <a:off x="718762" y="3055106"/>
-            <a:ext cx="1477649" cy="1200329"/>
-          </a:xfrm>
-          <a:prstGeom prst="rect">
-            <a:avLst/>
-          </a:prstGeom>
-          <a:noFill/>
-        </p:spPr>
-        <p:txBody>
-          <a:bodyPr wrap="none" rtlCol="0">
-            <a:spAutoFit/>
-          </a:bodyPr>
-          <a:lstStyle/>
-          <a:p>
-            <a:r>
-              <a:rPr lang="en-US" sz="1600" dirty="0">
-                <a:solidFill>
-                  <a:schemeClr val="tx2">
-                    <a:lumMod val="60000"/>
-                    <a:lumOff val="40000"/>
-                  </a:schemeClr>
-                </a:solidFill>
-              </a:rPr>
-              <a:t>ARM Core</a:t>
-            </a:r>
-            <a:br>
-              <a:rPr lang="en-US" sz="1600" dirty="0"/>
-            </a:br>
-            <a:r>
-              <a:rPr lang="en-US" sz="1400" dirty="0"/>
-              <a:t>Upper layer SW,</a:t>
-            </a:r>
-            <a:br>
-              <a:rPr lang="en-US" sz="1400" dirty="0"/>
-            </a:br>
-            <a:r>
-              <a:rPr lang="en-US" sz="1400" dirty="0"/>
-              <a:t>Configuration,</a:t>
-            </a:r>
-          </a:p>
-          <a:p>
-            <a:r>
-              <a:rPr lang="en-US" sz="1400" dirty="0"/>
-              <a:t>Networking,</a:t>
-            </a:r>
-          </a:p>
-          <a:p>
-            <a:r>
-              <a:rPr lang="en-US" sz="1400" dirty="0"/>
-              <a:t>Packet processing</a:t>
-            </a:r>
-            <a:endParaRPr lang="en-US" sz="1200" dirty="0"/>
-          </a:p>
-        </p:txBody>
-      </p:sp>
-      <p:sp>
-        <p:nvSpPr>
-          <p:cNvPr id="13" name="TextBox 12">
-            <a:extLst>
-              <a:ext uri="{FF2B5EF4-FFF2-40B4-BE49-F238E27FC236}">
-                <a16:creationId xmlns:a16="http://schemas.microsoft.com/office/drawing/2014/main" id="{7D391DB9-042B-F939-7798-298C120B1DA5}"/>
-              </a:ext>
-            </a:extLst>
-          </p:cNvPr>
-          <p:cNvSpPr txBox="1"/>
-          <p:nvPr/>
-        </p:nvSpPr>
-        <p:spPr>
-          <a:xfrm>
-            <a:off x="9673307" y="2986856"/>
-            <a:ext cx="2244845" cy="1015663"/>
-          </a:xfrm>
-          <a:prstGeom prst="rect">
-            <a:avLst/>
-          </a:prstGeom>
-          <a:noFill/>
-        </p:spPr>
-        <p:txBody>
-          <a:bodyPr wrap="none" rtlCol="0">
-            <a:spAutoFit/>
-          </a:bodyPr>
-          <a:lstStyle/>
-          <a:p>
-            <a:r>
-              <a:rPr lang="en-US" dirty="0">
-                <a:solidFill>
-                  <a:schemeClr val="tx2">
-                    <a:lumMod val="60000"/>
-                    <a:lumOff val="40000"/>
-                  </a:schemeClr>
-                </a:solidFill>
-              </a:rPr>
-              <a:t>RFIC</a:t>
-            </a:r>
-            <a:br>
-              <a:rPr lang="en-US" dirty="0"/>
-            </a:br>
-            <a:r>
-              <a:rPr lang="en-US" sz="1400" dirty="0"/>
-              <a:t>Antenna interface,</a:t>
-            </a:r>
-            <a:br>
-              <a:rPr lang="en-US" sz="1400" dirty="0"/>
-            </a:br>
-            <a:r>
-              <a:rPr lang="en-US" sz="1400" dirty="0"/>
-              <a:t>Radio frequency operations,</a:t>
-            </a:r>
-            <a:br>
-              <a:rPr lang="en-US" sz="1400" dirty="0"/>
-            </a:br>
-            <a:r>
-              <a:rPr lang="en-US" sz="1400" dirty="0"/>
-              <a:t>DACs / ADCs</a:t>
-            </a:r>
-          </a:p>
-        </p:txBody>
-      </p:sp>
-      <p:sp>
-        <p:nvSpPr>
-          <p:cNvPr id="15" name="Arrow: Left-Right 14">
-            <a:extLst>
-              <a:ext uri="{FF2B5EF4-FFF2-40B4-BE49-F238E27FC236}">
-                <a16:creationId xmlns:a16="http://schemas.microsoft.com/office/drawing/2014/main" id="{DA58526A-C756-B6C2-09C6-12A7D759E23B}"/>
-              </a:ext>
-            </a:extLst>
-          </p:cNvPr>
-          <p:cNvSpPr/>
-          <p:nvPr/>
-        </p:nvSpPr>
-        <p:spPr>
-          <a:xfrm>
-            <a:off x="2321438" y="2275997"/>
-            <a:ext cx="3977762" cy="246718"/>
-          </a:xfrm>
-          <a:prstGeom prst="leftRightArrow">
-            <a:avLst/>
-          </a:prstGeom>
-          <a:solidFill>
-            <a:schemeClr val="accent1">
-              <a:lumMod val="20000"/>
-              <a:lumOff val="80000"/>
-            </a:schemeClr>
-          </a:solidFill>
-        </p:spPr>
-        <p:style>
-          <a:lnRef idx="2">
-            <a:schemeClr val="accent1">
-              <a:shade val="15000"/>
-            </a:schemeClr>
-          </a:lnRef>
-          <a:fillRef idx="1">
-            <a:schemeClr val="accent1"/>
-          </a:fillRef>
-          <a:effectRef idx="0">
-            <a:schemeClr val="accent1"/>
-          </a:effectRef>
-          <a:fontRef idx="minor">
-            <a:schemeClr val="lt1"/>
-          </a:fontRef>
-        </p:style>
-        <p:txBody>
-          <a:bodyPr rtlCol="0" anchor="ctr"/>
-          <a:lstStyle/>
-          <a:p>
-            <a:pPr algn="ctr"/>
-            <a:endParaRPr lang="en-US"/>
-          </a:p>
-        </p:txBody>
-      </p:sp>
-      <p:pic>
-        <p:nvPicPr>
-          <p:cNvPr id="11266" name="Picture 2" descr="Qualcomm's Hexagon 685 DSP is a Machine Learning Powerhouse">
-            <a:extLst>
-              <a:ext uri="{FF2B5EF4-FFF2-40B4-BE49-F238E27FC236}">
-                <a16:creationId xmlns:a16="http://schemas.microsoft.com/office/drawing/2014/main" id="{8F067635-8F81-BDC4-96A7-7DC5340D1E70}"/>
-              </a:ext>
-            </a:extLst>
-          </p:cNvPr>
-          <p:cNvPicPr>
-            <a:picLocks noChangeAspect="1" noChangeArrowheads="1"/>
-          </p:cNvPicPr>
-          <p:nvPr/>
-        </p:nvPicPr>
-        <p:blipFill>
-          <a:blip r:embed="rId3">
-            <a:extLst>
-              <a:ext uri="{28A0092B-C50C-407E-A947-70E740481C1C}">
-                <a14:useLocalDpi xmlns:a14="http://schemas.microsoft.com/office/drawing/2010/main" val="0"/>
-              </a:ext>
-            </a:extLst>
-          </a:blip>
-          <a:srcRect/>
-          <a:stretch>
-            <a:fillRect/>
-          </a:stretch>
-        </p:blipFill>
-        <p:spPr bwMode="auto">
-          <a:xfrm>
-            <a:off x="3689448" y="3347134"/>
-            <a:ext cx="1621544" cy="1436688"/>
-          </a:xfrm>
-          <a:prstGeom prst="rect">
-            <a:avLst/>
-          </a:prstGeom>
-          <a:noFill/>
-          <a:extLst>
-            <a:ext uri="{909E8E84-426E-40DD-AFC4-6F175D3DCCD1}">
-              <a14:hiddenFill xmlns:a14="http://schemas.microsoft.com/office/drawing/2010/main">
-                <a:solidFill>
-                  <a:srgbClr val="FFFFFF"/>
-                </a:solidFill>
-              </a14:hiddenFill>
-            </a:ext>
-          </a:extLst>
-        </p:spPr>
-      </p:pic>
-      <p:pic>
-        <p:nvPicPr>
-          <p:cNvPr id="11268" name="Picture 4" descr="Cpu ARM Icon | Cold Fusion HD Iconpack ...">
-            <a:extLst>
-              <a:ext uri="{FF2B5EF4-FFF2-40B4-BE49-F238E27FC236}">
-                <a16:creationId xmlns:a16="http://schemas.microsoft.com/office/drawing/2014/main" id="{6C9A746E-12FB-67EA-B66C-DEDA82926B2F}"/>
-              </a:ext>
-            </a:extLst>
-          </p:cNvPr>
-          <p:cNvPicPr>
-            <a:picLocks noChangeAspect="1" noChangeArrowheads="1"/>
-          </p:cNvPicPr>
-          <p:nvPr/>
-        </p:nvPicPr>
-        <p:blipFill>
-          <a:blip r:embed="rId4">
-            <a:extLst>
-              <a:ext uri="{28A0092B-C50C-407E-A947-70E740481C1C}">
-                <a14:useLocalDpi xmlns:a14="http://schemas.microsoft.com/office/drawing/2010/main" val="0"/>
-              </a:ext>
-            </a:extLst>
-          </a:blip>
-          <a:srcRect/>
-          <a:stretch>
-            <a:fillRect/>
-          </a:stretch>
-        </p:blipFill>
-        <p:spPr bwMode="auto">
-          <a:xfrm>
-            <a:off x="933260" y="1755890"/>
-            <a:ext cx="1219200" cy="1219200"/>
-          </a:xfrm>
-          <a:prstGeom prst="rect">
-            <a:avLst/>
-          </a:prstGeom>
-          <a:noFill/>
-          <a:extLst>
-            <a:ext uri="{909E8E84-426E-40DD-AFC4-6F175D3DCCD1}">
-              <a14:hiddenFill xmlns:a14="http://schemas.microsoft.com/office/drawing/2010/main">
-                <a:solidFill>
-                  <a:srgbClr val="FFFFFF"/>
-                </a:solidFill>
-              </a14:hiddenFill>
-            </a:ext>
-          </a:extLst>
-        </p:spPr>
-      </p:pic>
-      <p:sp>
-        <p:nvSpPr>
-          <p:cNvPr id="17" name="Arrow: Left-Right 16">
-            <a:extLst>
-              <a:ext uri="{FF2B5EF4-FFF2-40B4-BE49-F238E27FC236}">
-                <a16:creationId xmlns:a16="http://schemas.microsoft.com/office/drawing/2014/main" id="{042F6860-699E-3DD7-745B-24601342B0F2}"/>
-              </a:ext>
-            </a:extLst>
-          </p:cNvPr>
-          <p:cNvSpPr/>
-          <p:nvPr/>
-        </p:nvSpPr>
-        <p:spPr>
-          <a:xfrm rot="2058403" flipV="1">
-            <a:off x="2127445" y="3306701"/>
-            <a:ext cx="1630968" cy="258694"/>
-          </a:xfrm>
-          <a:prstGeom prst="leftRightArrow">
-            <a:avLst/>
-          </a:prstGeom>
-          <a:solidFill>
-            <a:schemeClr val="accent1">
-              <a:lumMod val="20000"/>
-              <a:lumOff val="80000"/>
-            </a:schemeClr>
-          </a:solidFill>
-        </p:spPr>
-        <p:style>
-          <a:lnRef idx="2">
-            <a:schemeClr val="accent1">
-              <a:shade val="15000"/>
-            </a:schemeClr>
-          </a:lnRef>
-          <a:fillRef idx="1">
-            <a:schemeClr val="accent1"/>
-          </a:fillRef>
-          <a:effectRef idx="0">
-            <a:schemeClr val="accent1"/>
-          </a:effectRef>
-          <a:fontRef idx="minor">
-            <a:schemeClr val="lt1"/>
-          </a:fontRef>
-        </p:style>
-        <p:txBody>
-          <a:bodyPr rtlCol="0" anchor="ctr"/>
-          <a:lstStyle/>
-          <a:p>
-            <a:pPr algn="ctr"/>
-            <a:endParaRPr lang="en-US"/>
-          </a:p>
-        </p:txBody>
-      </p:sp>
-      <p:sp>
-        <p:nvSpPr>
-          <p:cNvPr id="19" name="Arrow: Left-Right 18">
-            <a:extLst>
-              <a:ext uri="{FF2B5EF4-FFF2-40B4-BE49-F238E27FC236}">
-                <a16:creationId xmlns:a16="http://schemas.microsoft.com/office/drawing/2014/main" id="{C24AD7F1-4E14-1A37-8105-B5E6646AD0B5}"/>
-              </a:ext>
-            </a:extLst>
-          </p:cNvPr>
-          <p:cNvSpPr/>
-          <p:nvPr/>
-        </p:nvSpPr>
-        <p:spPr>
-          <a:xfrm rot="19115223" flipV="1">
-            <a:off x="5136023" y="3236739"/>
-            <a:ext cx="1630968" cy="258694"/>
-          </a:xfrm>
-          <a:prstGeom prst="leftRightArrow">
-            <a:avLst/>
-          </a:prstGeom>
-          <a:solidFill>
-            <a:schemeClr val="accent1">
-              <a:lumMod val="20000"/>
-              <a:lumOff val="80000"/>
-            </a:schemeClr>
-          </a:solidFill>
-        </p:spPr>
-        <p:style>
-          <a:lnRef idx="2">
-            <a:schemeClr val="accent1">
-              <a:shade val="15000"/>
-            </a:schemeClr>
-          </a:lnRef>
-          <a:fillRef idx="1">
-            <a:schemeClr val="accent1"/>
-          </a:fillRef>
-          <a:effectRef idx="0">
-            <a:schemeClr val="accent1"/>
-          </a:effectRef>
-          <a:fontRef idx="minor">
-            <a:schemeClr val="lt1"/>
-          </a:fontRef>
-        </p:style>
-        <p:txBody>
-          <a:bodyPr rtlCol="0" anchor="ctr"/>
-          <a:lstStyle/>
-          <a:p>
-            <a:pPr algn="ctr"/>
-            <a:endParaRPr lang="en-US"/>
-          </a:p>
-        </p:txBody>
-      </p:sp>
-      <p:sp>
-        <p:nvSpPr>
-          <p:cNvPr id="20" name="Arrow: Left-Right 19">
-            <a:extLst>
-              <a:ext uri="{FF2B5EF4-FFF2-40B4-BE49-F238E27FC236}">
-                <a16:creationId xmlns:a16="http://schemas.microsoft.com/office/drawing/2014/main" id="{34F275D8-7603-A015-214A-B72B1AE49F04}"/>
-              </a:ext>
-            </a:extLst>
-          </p:cNvPr>
-          <p:cNvSpPr/>
-          <p:nvPr/>
-        </p:nvSpPr>
-        <p:spPr>
-          <a:xfrm flipV="1">
-            <a:off x="7710871" y="2209833"/>
-            <a:ext cx="1692807" cy="258694"/>
-          </a:xfrm>
-          <a:prstGeom prst="leftRightArrow">
-            <a:avLst/>
-          </a:prstGeom>
-          <a:solidFill>
-            <a:schemeClr val="accent1">
-              <a:lumMod val="20000"/>
-              <a:lumOff val="80000"/>
-            </a:schemeClr>
-          </a:solidFill>
-        </p:spPr>
-        <p:style>
-          <a:lnRef idx="2">
-            <a:schemeClr val="accent1">
-              <a:shade val="15000"/>
-            </a:schemeClr>
-          </a:lnRef>
-          <a:fillRef idx="1">
-            <a:schemeClr val="accent1"/>
-          </a:fillRef>
-          <a:effectRef idx="0">
-            <a:schemeClr val="accent1"/>
-          </a:effectRef>
-          <a:fontRef idx="minor">
-            <a:schemeClr val="lt1"/>
-          </a:fontRef>
-        </p:style>
-        <p:txBody>
-          <a:bodyPr rtlCol="0" anchor="ctr"/>
-          <a:lstStyle/>
-          <a:p>
-            <a:pPr algn="ctr"/>
-            <a:endParaRPr lang="en-US"/>
-          </a:p>
-        </p:txBody>
-      </p:sp>
-      <p:pic>
-        <p:nvPicPr>
-          <p:cNvPr id="11270" name="Picture 6" descr="Choosing the Right RFIC Design Partner">
-            <a:extLst>
-              <a:ext uri="{FF2B5EF4-FFF2-40B4-BE49-F238E27FC236}">
-                <a16:creationId xmlns:a16="http://schemas.microsoft.com/office/drawing/2014/main" id="{87C55D30-F153-6C10-805B-9869B273AF56}"/>
-              </a:ext>
-            </a:extLst>
-          </p:cNvPr>
-          <p:cNvPicPr>
-            <a:picLocks noChangeAspect="1" noChangeArrowheads="1"/>
-          </p:cNvPicPr>
-          <p:nvPr/>
-        </p:nvPicPr>
-        <p:blipFill>
-          <a:blip r:embed="rId5">
-            <a:extLst>
-              <a:ext uri="{28A0092B-C50C-407E-A947-70E740481C1C}">
-                <a14:useLocalDpi xmlns:a14="http://schemas.microsoft.com/office/drawing/2010/main" val="0"/>
-              </a:ext>
-            </a:extLst>
-          </a:blip>
-          <a:srcRect/>
-          <a:stretch>
-            <a:fillRect/>
-          </a:stretch>
-        </p:blipFill>
-        <p:spPr bwMode="auto">
-          <a:xfrm>
-            <a:off x="9673307" y="1877057"/>
-            <a:ext cx="1823982" cy="918469"/>
-          </a:xfrm>
-          <a:prstGeom prst="rect">
-            <a:avLst/>
-          </a:prstGeom>
-          <a:noFill/>
-          <a:extLst>
-            <a:ext uri="{909E8E84-426E-40DD-AFC4-6F175D3DCCD1}">
-              <a14:hiddenFill xmlns:a14="http://schemas.microsoft.com/office/drawing/2010/main">
-                <a:solidFill>
-                  <a:srgbClr val="FFFFFF"/>
-                </a:solidFill>
-              </a14:hiddenFill>
-            </a:ext>
-          </a:extLst>
-        </p:spPr>
-      </p:pic>
-      <p:sp>
-        <p:nvSpPr>
-          <p:cNvPr id="21" name="TextBox 20">
-            <a:extLst>
-              <a:ext uri="{FF2B5EF4-FFF2-40B4-BE49-F238E27FC236}">
-                <a16:creationId xmlns:a16="http://schemas.microsoft.com/office/drawing/2014/main" id="{17DF7769-D3F0-EE56-88A5-52B8ECB8A87B}"/>
-              </a:ext>
-            </a:extLst>
-          </p:cNvPr>
-          <p:cNvSpPr txBox="1"/>
-          <p:nvPr/>
-        </p:nvSpPr>
-        <p:spPr>
-          <a:xfrm>
-            <a:off x="8068485" y="1843567"/>
-            <a:ext cx="1094146" cy="338554"/>
-          </a:xfrm>
-          <a:prstGeom prst="rect">
-            <a:avLst/>
-          </a:prstGeom>
-          <a:noFill/>
-        </p:spPr>
-        <p:txBody>
-          <a:bodyPr wrap="none" rtlCol="0">
-            <a:spAutoFit/>
-          </a:bodyPr>
-          <a:lstStyle/>
-          <a:p>
-            <a:r>
-              <a:rPr lang="en-US" sz="1600" dirty="0" err="1"/>
-              <a:t>Gsamps</a:t>
-            </a:r>
-            <a:r>
-              <a:rPr lang="en-US" sz="1600" dirty="0"/>
-              <a:t> / s</a:t>
-            </a:r>
-          </a:p>
-        </p:txBody>
-      </p:sp>
-    </p:spTree>
-    <p:extLst>
-      <p:ext uri="{BB962C8B-B14F-4D97-AF65-F5344CB8AC3E}">
-        <p14:creationId xmlns:p14="http://schemas.microsoft.com/office/powerpoint/2010/main" val="290173976"/>
       </p:ext>
     </p:extLst>
   </p:cSld>
@@ -10977,7 +10406,7 @@
           <p:cNvPr id="2" name="Title 1">
             <a:extLst>
               <a:ext uri="{FF2B5EF4-FFF2-40B4-BE49-F238E27FC236}">
-                <a16:creationId xmlns:a16="http://schemas.microsoft.com/office/drawing/2014/main" id="{195EA058-777E-2005-7139-E1069CD1B945}"/>
+                <a16:creationId xmlns:a16="http://schemas.microsoft.com/office/drawing/2014/main" id="{D4600AE6-2F41-432B-A516-6FCFAA54F0C8}"/>
               </a:ext>
             </a:extLst>
           </p:cNvPr>
@@ -10995,127 +10424,7 @@
           <a:p>
             <a:r>
               <a:rPr lang="en-US" dirty="0"/>
-              <a:t>FPGA vs. ASIC</a:t>
-            </a:r>
-          </a:p>
-        </p:txBody>
-      </p:sp>
-      <p:sp>
-        <p:nvSpPr>
-          <p:cNvPr id="3" name="Content Placeholder 2">
-            <a:extLst>
-              <a:ext uri="{FF2B5EF4-FFF2-40B4-BE49-F238E27FC236}">
-                <a16:creationId xmlns:a16="http://schemas.microsoft.com/office/drawing/2014/main" id="{1CBDB4AD-2F04-29E8-BF6F-B5111D36AD68}"/>
-              </a:ext>
-            </a:extLst>
-          </p:cNvPr>
-          <p:cNvSpPr>
-            <a:spLocks noGrp="1"/>
-          </p:cNvSpPr>
-          <p:nvPr>
-            <p:ph idx="1"/>
-          </p:nvPr>
-        </p:nvSpPr>
-        <p:spPr/>
-        <p:txBody>
-          <a:bodyPr>
-            <a:normAutofit/>
-          </a:bodyPr>
-          <a:lstStyle/>
-          <a:p>
-            <a:r>
-              <a:rPr lang="en-US" dirty="0">
-                <a:solidFill>
-                  <a:schemeClr val="accent1">
-                    <a:lumMod val="60000"/>
-                    <a:lumOff val="40000"/>
-                  </a:schemeClr>
-                </a:solidFill>
-              </a:rPr>
-              <a:t>FPGA:  Field‑Programmable Gate Array</a:t>
-            </a:r>
-          </a:p>
-          <a:p>
-            <a:pPr lvl="1"/>
-            <a:r>
-              <a:rPr lang="en-US" dirty="0"/>
-              <a:t>Reconfigurable hardware</a:t>
-            </a:r>
-          </a:p>
-          <a:p>
-            <a:pPr lvl="1"/>
-            <a:r>
-              <a:rPr lang="en-US" dirty="0"/>
-              <a:t>Great for prototyping and teaching: no fabrication needed</a:t>
-            </a:r>
-          </a:p>
-          <a:p>
-            <a:pPr lvl="1"/>
-            <a:r>
-              <a:rPr lang="en-US" dirty="0"/>
-              <a:t>Slower and less power‑efficient than ASICs </a:t>
-            </a:r>
-          </a:p>
-          <a:p>
-            <a:pPr lvl="1"/>
-            <a:r>
-              <a:rPr lang="en-US" dirty="0"/>
-              <a:t>Research, rapid development, low‑volume products, networking gear, some accelerators</a:t>
-            </a:r>
-          </a:p>
-          <a:p>
-            <a:r>
-              <a:rPr lang="en-US" dirty="0">
-                <a:solidFill>
-                  <a:schemeClr val="accent1">
-                    <a:lumMod val="60000"/>
-                    <a:lumOff val="40000"/>
-                  </a:schemeClr>
-                </a:solidFill>
-              </a:rPr>
-              <a:t>ASIC:  Application‑Specific Integrated Circuit</a:t>
-            </a:r>
-          </a:p>
-          <a:p>
-            <a:pPr lvl="1"/>
-            <a:r>
-              <a:rPr lang="en-US" dirty="0"/>
-              <a:t>Custom hardware chip designed for one purpose (e.g., video codec, 5G modem, ML accelerator)</a:t>
-            </a:r>
-          </a:p>
-          <a:p>
-            <a:pPr lvl="1"/>
-            <a:r>
-              <a:rPr lang="en-US" dirty="0"/>
-              <a:t>Much faster and more power‑efficient than FPGAs</a:t>
-            </a:r>
-          </a:p>
-          <a:p>
-            <a:pPr lvl="1"/>
-            <a:r>
-              <a:rPr lang="en-US" dirty="0"/>
-              <a:t>Cannot be changed after fabrication — the design is permanent</a:t>
-            </a:r>
-          </a:p>
-          <a:p>
-            <a:pPr lvl="1"/>
-            <a:r>
-              <a:rPr lang="en-US" dirty="0"/>
-              <a:t>Manufactured (“fabricated”) at a semiconductor foundry</a:t>
-            </a:r>
-          </a:p>
-          <a:p>
-            <a:pPr lvl="1"/>
-            <a:r>
-              <a:rPr lang="en-US" dirty="0"/>
-              <a:t>Ex:  TSMC, </a:t>
-            </a:r>
-          </a:p>
-          <a:p>
-            <a:pPr lvl="1"/>
-            <a:r>
-              <a:rPr lang="en-US" dirty="0"/>
-              <a:t>Smartphones, GPUs, Automotive, …</a:t>
+              <a:t>Example:  5G Modem Core</a:t>
             </a:r>
           </a:p>
         </p:txBody>
@@ -11125,7 +10434,7 @@
           <p:cNvPr id="4" name="Slide Number Placeholder 3">
             <a:extLst>
               <a:ext uri="{FF2B5EF4-FFF2-40B4-BE49-F238E27FC236}">
-                <a16:creationId xmlns:a16="http://schemas.microsoft.com/office/drawing/2014/main" id="{31C13599-48FA-323F-4365-2209B7358C35}"/>
+                <a16:creationId xmlns:a16="http://schemas.microsoft.com/office/drawing/2014/main" id="{057407C1-DF8C-6F6E-34BD-8A9710ADC5CA}"/>
               </a:ext>
             </a:extLst>
           </p:cNvPr>
@@ -11151,10 +10460,10 @@
       </p:sp>
       <p:pic>
         <p:nvPicPr>
-          <p:cNvPr id="5" name="Picture 4" descr="A Guide to Xilinx FPGA Naming Standards">
-            <a:extLst>
-              <a:ext uri="{FF2B5EF4-FFF2-40B4-BE49-F238E27FC236}">
-                <a16:creationId xmlns:a16="http://schemas.microsoft.com/office/drawing/2014/main" id="{FC46BC06-5C87-443F-C7CD-A4C3B8D7EEA7}"/>
+          <p:cNvPr id="5" name="Picture 2" descr="Asic - Free icons">
+            <a:extLst>
+              <a:ext uri="{FF2B5EF4-FFF2-40B4-BE49-F238E27FC236}">
+                <a16:creationId xmlns:a16="http://schemas.microsoft.com/office/drawing/2014/main" id="{6FD48BF5-CE27-38CF-12AF-0BC6447D91E6}"/>
               </a:ext>
             </a:extLst>
           </p:cNvPr>
@@ -11178,8 +10487,8 @@
         </p:blipFill>
         <p:spPr bwMode="auto">
           <a:xfrm>
-            <a:off x="9254526" y="1326814"/>
-            <a:ext cx="1895688" cy="1256924"/>
+            <a:off x="6648649" y="1877057"/>
+            <a:ext cx="1026051" cy="1026051"/>
           </a:xfrm>
           <a:prstGeom prst="rect">
             <a:avLst/>
@@ -11196,12 +10505,345 @@
           </a:extLst>
         </p:spPr>
       </p:pic>
+      <p:sp>
+        <p:nvSpPr>
+          <p:cNvPr id="6" name="TextBox 5">
+            <a:extLst>
+              <a:ext uri="{FF2B5EF4-FFF2-40B4-BE49-F238E27FC236}">
+                <a16:creationId xmlns:a16="http://schemas.microsoft.com/office/drawing/2014/main" id="{BD0FEDF7-409B-2849-2219-B3751594F169}"/>
+              </a:ext>
+            </a:extLst>
+          </p:cNvPr>
+          <p:cNvSpPr txBox="1"/>
+          <p:nvPr/>
+        </p:nvSpPr>
+        <p:spPr>
+          <a:xfrm>
+            <a:off x="6767013" y="3081262"/>
+            <a:ext cx="1118383" cy="1231106"/>
+          </a:xfrm>
+          <a:prstGeom prst="rect">
+            <a:avLst/>
+          </a:prstGeom>
+          <a:noFill/>
+        </p:spPr>
+        <p:txBody>
+          <a:bodyPr wrap="none" rtlCol="0">
+            <a:spAutoFit/>
+          </a:bodyPr>
+          <a:lstStyle/>
+          <a:p>
+            <a:r>
+              <a:rPr lang="en-US" dirty="0">
+                <a:solidFill>
+                  <a:schemeClr val="tx2">
+                    <a:lumMod val="60000"/>
+                    <a:lumOff val="40000"/>
+                  </a:schemeClr>
+                </a:solidFill>
+              </a:rPr>
+              <a:t>5G HW</a:t>
+            </a:r>
+            <a:br>
+              <a:rPr lang="en-US" dirty="0"/>
+            </a:br>
+            <a:r>
+              <a:rPr lang="en-US" sz="1400" dirty="0"/>
+              <a:t>Filtering, </a:t>
+            </a:r>
+          </a:p>
+          <a:p>
+            <a:r>
+              <a:rPr lang="en-US" sz="1400" dirty="0"/>
+              <a:t>Equalization,</a:t>
+            </a:r>
+            <a:br>
+              <a:rPr lang="en-US" sz="1400" dirty="0"/>
+            </a:br>
+            <a:r>
+              <a:rPr lang="en-US" sz="1400" dirty="0"/>
+              <a:t>Decoding,</a:t>
+            </a:r>
+            <a:br>
+              <a:rPr lang="en-US" sz="1400" dirty="0"/>
+            </a:br>
+            <a:r>
+              <a:rPr lang="en-US" sz="1400" dirty="0"/>
+              <a:t>…</a:t>
+            </a:r>
+          </a:p>
+        </p:txBody>
+      </p:sp>
+      <p:sp>
+        <p:nvSpPr>
+          <p:cNvPr id="9" name="TextBox 8">
+            <a:extLst>
+              <a:ext uri="{FF2B5EF4-FFF2-40B4-BE49-F238E27FC236}">
+                <a16:creationId xmlns:a16="http://schemas.microsoft.com/office/drawing/2014/main" id="{9C0DCD87-AA70-17E0-80EC-C6B7EB92CA3B}"/>
+              </a:ext>
+            </a:extLst>
+          </p:cNvPr>
+          <p:cNvSpPr txBox="1"/>
+          <p:nvPr/>
+        </p:nvSpPr>
+        <p:spPr>
+          <a:xfrm>
+            <a:off x="3503601" y="4896899"/>
+            <a:ext cx="1993238" cy="1415772"/>
+          </a:xfrm>
+          <a:prstGeom prst="rect">
+            <a:avLst/>
+          </a:prstGeom>
+          <a:noFill/>
+        </p:spPr>
+        <p:txBody>
+          <a:bodyPr wrap="none" rtlCol="0">
+            <a:spAutoFit/>
+          </a:bodyPr>
+          <a:lstStyle/>
+          <a:p>
+            <a:r>
+              <a:rPr lang="en-US" sz="1600" dirty="0">
+                <a:solidFill>
+                  <a:schemeClr val="tx2">
+                    <a:lumMod val="60000"/>
+                    <a:lumOff val="40000"/>
+                  </a:schemeClr>
+                </a:solidFill>
+              </a:rPr>
+              <a:t>Hexagon DSP</a:t>
+            </a:r>
+            <a:br>
+              <a:rPr lang="en-US" sz="1600" dirty="0">
+                <a:solidFill>
+                  <a:schemeClr val="tx2">
+                    <a:lumMod val="60000"/>
+                    <a:lumOff val="40000"/>
+                  </a:schemeClr>
+                </a:solidFill>
+              </a:rPr>
+            </a:br>
+            <a:r>
+              <a:rPr lang="en-US" sz="1400" dirty="0"/>
+              <a:t>Control channels,</a:t>
+            </a:r>
+            <a:br>
+              <a:rPr lang="en-US" sz="1400" dirty="0"/>
+            </a:br>
+            <a:r>
+              <a:rPr lang="en-US" sz="1400" dirty="0"/>
+              <a:t>Infrequent, but complex,</a:t>
+            </a:r>
+            <a:br>
+              <a:rPr lang="en-US" sz="1400" dirty="0"/>
+            </a:br>
+            <a:r>
+              <a:rPr lang="en-US" sz="1400" dirty="0"/>
+              <a:t>data processing</a:t>
+            </a:r>
+            <a:br>
+              <a:rPr lang="en-US" sz="1400" dirty="0"/>
+            </a:br>
+            <a:br>
+              <a:rPr lang="en-US" sz="1400" dirty="0"/>
+            </a:br>
+            <a:r>
+              <a:rPr lang="en-US" sz="1400" dirty="0"/>
+              <a:t> 	</a:t>
+            </a:r>
+          </a:p>
+        </p:txBody>
+      </p:sp>
+      <p:sp>
+        <p:nvSpPr>
+          <p:cNvPr id="11" name="TextBox 10">
+            <a:extLst>
+              <a:ext uri="{FF2B5EF4-FFF2-40B4-BE49-F238E27FC236}">
+                <a16:creationId xmlns:a16="http://schemas.microsoft.com/office/drawing/2014/main" id="{B524EDC5-2A84-07C5-7094-C505E2BE8E98}"/>
+              </a:ext>
+            </a:extLst>
+          </p:cNvPr>
+          <p:cNvSpPr txBox="1"/>
+          <p:nvPr/>
+        </p:nvSpPr>
+        <p:spPr>
+          <a:xfrm>
+            <a:off x="718762" y="3055106"/>
+            <a:ext cx="1477649" cy="1200329"/>
+          </a:xfrm>
+          <a:prstGeom prst="rect">
+            <a:avLst/>
+          </a:prstGeom>
+          <a:noFill/>
+        </p:spPr>
+        <p:txBody>
+          <a:bodyPr wrap="none" rtlCol="0">
+            <a:spAutoFit/>
+          </a:bodyPr>
+          <a:lstStyle/>
+          <a:p>
+            <a:r>
+              <a:rPr lang="en-US" sz="1600" dirty="0">
+                <a:solidFill>
+                  <a:schemeClr val="tx2">
+                    <a:lumMod val="60000"/>
+                    <a:lumOff val="40000"/>
+                  </a:schemeClr>
+                </a:solidFill>
+              </a:rPr>
+              <a:t>ARM Core</a:t>
+            </a:r>
+            <a:br>
+              <a:rPr lang="en-US" sz="1600" dirty="0"/>
+            </a:br>
+            <a:r>
+              <a:rPr lang="en-US" sz="1400" dirty="0"/>
+              <a:t>Upper layer SW,</a:t>
+            </a:r>
+            <a:br>
+              <a:rPr lang="en-US" sz="1400" dirty="0"/>
+            </a:br>
+            <a:r>
+              <a:rPr lang="en-US" sz="1400" dirty="0"/>
+              <a:t>Configuration,</a:t>
+            </a:r>
+          </a:p>
+          <a:p>
+            <a:r>
+              <a:rPr lang="en-US" sz="1400" dirty="0"/>
+              <a:t>Networking,</a:t>
+            </a:r>
+          </a:p>
+          <a:p>
+            <a:r>
+              <a:rPr lang="en-US" sz="1400" dirty="0"/>
+              <a:t>Packet processing</a:t>
+            </a:r>
+            <a:endParaRPr lang="en-US" sz="1200" dirty="0"/>
+          </a:p>
+        </p:txBody>
+      </p:sp>
+      <p:sp>
+        <p:nvSpPr>
+          <p:cNvPr id="13" name="TextBox 12">
+            <a:extLst>
+              <a:ext uri="{FF2B5EF4-FFF2-40B4-BE49-F238E27FC236}">
+                <a16:creationId xmlns:a16="http://schemas.microsoft.com/office/drawing/2014/main" id="{7D391DB9-042B-F939-7798-298C120B1DA5}"/>
+              </a:ext>
+            </a:extLst>
+          </p:cNvPr>
+          <p:cNvSpPr txBox="1"/>
+          <p:nvPr/>
+        </p:nvSpPr>
+        <p:spPr>
+          <a:xfrm>
+            <a:off x="9673307" y="2986856"/>
+            <a:ext cx="2244845" cy="1015663"/>
+          </a:xfrm>
+          <a:prstGeom prst="rect">
+            <a:avLst/>
+          </a:prstGeom>
+          <a:noFill/>
+        </p:spPr>
+        <p:txBody>
+          <a:bodyPr wrap="none" rtlCol="0">
+            <a:spAutoFit/>
+          </a:bodyPr>
+          <a:lstStyle/>
+          <a:p>
+            <a:r>
+              <a:rPr lang="en-US" dirty="0">
+                <a:solidFill>
+                  <a:schemeClr val="tx2">
+                    <a:lumMod val="60000"/>
+                    <a:lumOff val="40000"/>
+                  </a:schemeClr>
+                </a:solidFill>
+              </a:rPr>
+              <a:t>RFIC</a:t>
+            </a:r>
+            <a:br>
+              <a:rPr lang="en-US" dirty="0"/>
+            </a:br>
+            <a:r>
+              <a:rPr lang="en-US" sz="1400" dirty="0"/>
+              <a:t>Antenna interface,</a:t>
+            </a:r>
+            <a:br>
+              <a:rPr lang="en-US" sz="1400" dirty="0"/>
+            </a:br>
+            <a:r>
+              <a:rPr lang="en-US" sz="1400" dirty="0"/>
+              <a:t>Radio frequency operations,</a:t>
+            </a:r>
+            <a:br>
+              <a:rPr lang="en-US" sz="1400" dirty="0"/>
+            </a:br>
+            <a:r>
+              <a:rPr lang="en-US" sz="1400" dirty="0"/>
+              <a:t>DACs / ADCs</a:t>
+            </a:r>
+          </a:p>
+        </p:txBody>
+      </p:sp>
+      <p:sp>
+        <p:nvSpPr>
+          <p:cNvPr id="15" name="Arrow: Left-Right 14">
+            <a:extLst>
+              <a:ext uri="{FF2B5EF4-FFF2-40B4-BE49-F238E27FC236}">
+                <a16:creationId xmlns:a16="http://schemas.microsoft.com/office/drawing/2014/main" id="{DA58526A-C756-B6C2-09C6-12A7D759E23B}"/>
+              </a:ext>
+            </a:extLst>
+          </p:cNvPr>
+          <p:cNvSpPr/>
+          <p:nvPr/>
+        </p:nvSpPr>
+        <p:spPr>
+          <a:xfrm>
+            <a:off x="2321438" y="2275997"/>
+            <a:ext cx="3977762" cy="246718"/>
+          </a:xfrm>
+          <a:prstGeom prst="leftRightArrow">
+            <a:avLst/>
+          </a:prstGeom>
+          <a:solidFill>
+            <a:schemeClr val="accent1">
+              <a:lumMod val="20000"/>
+              <a:lumOff val="80000"/>
+            </a:schemeClr>
+          </a:solidFill>
+        </p:spPr>
+        <p:style>
+          <a:lnRef idx="2">
+            <a:schemeClr val="accent1">
+              <a:shade val="15000"/>
+            </a:schemeClr>
+          </a:lnRef>
+          <a:fillRef idx="1">
+            <a:schemeClr val="accent1"/>
+          </a:fillRef>
+          <a:effectRef idx="0">
+            <a:schemeClr val="accent1"/>
+          </a:effectRef>
+          <a:fontRef idx="minor">
+            <a:schemeClr val="lt1"/>
+          </a:fontRef>
+        </p:style>
+        <p:txBody>
+          <a:bodyPr rtlCol="0" anchor="ctr"/>
+          <a:lstStyle/>
+          <a:p>
+            <a:pPr algn="ctr"/>
+            <a:endParaRPr lang="en-US"/>
+          </a:p>
+        </p:txBody>
+      </p:sp>
       <p:pic>
         <p:nvPicPr>
-          <p:cNvPr id="6" name="Picture 6" descr="Plot of ASIC layout submitted for ...">
-            <a:extLst>
-              <a:ext uri="{FF2B5EF4-FFF2-40B4-BE49-F238E27FC236}">
-                <a16:creationId xmlns:a16="http://schemas.microsoft.com/office/drawing/2014/main" id="{F22938C4-AFBE-FBCA-9CCB-6588355D31C3}"/>
+          <p:cNvPr id="11266" name="Picture 2" descr="Qualcomm's Hexagon 685 DSP is a Machine Learning Powerhouse">
+            <a:extLst>
+              <a:ext uri="{FF2B5EF4-FFF2-40B4-BE49-F238E27FC236}">
+                <a16:creationId xmlns:a16="http://schemas.microsoft.com/office/drawing/2014/main" id="{8F067635-8F81-BDC4-96A7-7DC5340D1E70}"/>
               </a:ext>
             </a:extLst>
           </p:cNvPr>
@@ -11225,8 +10867,8 @@
         </p:blipFill>
         <p:spPr bwMode="auto">
           <a:xfrm>
-            <a:off x="9198766" y="4268160"/>
-            <a:ext cx="1608080" cy="1600934"/>
+            <a:off x="3689448" y="3347134"/>
+            <a:ext cx="1621544" cy="1436688"/>
           </a:xfrm>
           <a:prstGeom prst="rect">
             <a:avLst/>
@@ -11243,10 +10885,299 @@
           </a:extLst>
         </p:spPr>
       </p:pic>
+      <p:pic>
+        <p:nvPicPr>
+          <p:cNvPr id="11268" name="Picture 4" descr="Cpu ARM Icon | Cold Fusion HD Iconpack ...">
+            <a:extLst>
+              <a:ext uri="{FF2B5EF4-FFF2-40B4-BE49-F238E27FC236}">
+                <a16:creationId xmlns:a16="http://schemas.microsoft.com/office/drawing/2014/main" id="{6C9A746E-12FB-67EA-B66C-DEDA82926B2F}"/>
+              </a:ext>
+            </a:extLst>
+          </p:cNvPr>
+          <p:cNvPicPr>
+            <a:picLocks noChangeAspect="1" noChangeArrowheads="1"/>
+          </p:cNvPicPr>
+          <p:nvPr/>
+        </p:nvPicPr>
+        <p:blipFill>
+          <a:blip r:embed="rId4">
+            <a:extLst>
+              <a:ext uri="{28A0092B-C50C-407E-A947-70E740481C1C}">
+                <a14:useLocalDpi xmlns:a14="http://schemas.microsoft.com/office/drawing/2010/main" val="0"/>
+              </a:ext>
+            </a:extLst>
+          </a:blip>
+          <a:srcRect/>
+          <a:stretch>
+            <a:fillRect/>
+          </a:stretch>
+        </p:blipFill>
+        <p:spPr bwMode="auto">
+          <a:xfrm>
+            <a:off x="933260" y="1755890"/>
+            <a:ext cx="1219200" cy="1219200"/>
+          </a:xfrm>
+          <a:prstGeom prst="rect">
+            <a:avLst/>
+          </a:prstGeom>
+          <a:noFill/>
+          <a:extLst>
+            <a:ext uri="{909E8E84-426E-40DD-AFC4-6F175D3DCCD1}">
+              <a14:hiddenFill xmlns:a14="http://schemas.microsoft.com/office/drawing/2010/main">
+                <a:solidFill>
+                  <a:srgbClr val="FFFFFF"/>
+                </a:solidFill>
+              </a14:hiddenFill>
+            </a:ext>
+          </a:extLst>
+        </p:spPr>
+      </p:pic>
+      <p:sp>
+        <p:nvSpPr>
+          <p:cNvPr id="17" name="Arrow: Left-Right 16">
+            <a:extLst>
+              <a:ext uri="{FF2B5EF4-FFF2-40B4-BE49-F238E27FC236}">
+                <a16:creationId xmlns:a16="http://schemas.microsoft.com/office/drawing/2014/main" id="{042F6860-699E-3DD7-745B-24601342B0F2}"/>
+              </a:ext>
+            </a:extLst>
+          </p:cNvPr>
+          <p:cNvSpPr/>
+          <p:nvPr/>
+        </p:nvSpPr>
+        <p:spPr>
+          <a:xfrm rot="2058403" flipV="1">
+            <a:off x="2127445" y="3306701"/>
+            <a:ext cx="1630968" cy="258694"/>
+          </a:xfrm>
+          <a:prstGeom prst="leftRightArrow">
+            <a:avLst/>
+          </a:prstGeom>
+          <a:solidFill>
+            <a:schemeClr val="accent1">
+              <a:lumMod val="20000"/>
+              <a:lumOff val="80000"/>
+            </a:schemeClr>
+          </a:solidFill>
+        </p:spPr>
+        <p:style>
+          <a:lnRef idx="2">
+            <a:schemeClr val="accent1">
+              <a:shade val="15000"/>
+            </a:schemeClr>
+          </a:lnRef>
+          <a:fillRef idx="1">
+            <a:schemeClr val="accent1"/>
+          </a:fillRef>
+          <a:effectRef idx="0">
+            <a:schemeClr val="accent1"/>
+          </a:effectRef>
+          <a:fontRef idx="minor">
+            <a:schemeClr val="lt1"/>
+          </a:fontRef>
+        </p:style>
+        <p:txBody>
+          <a:bodyPr rtlCol="0" anchor="ctr"/>
+          <a:lstStyle/>
+          <a:p>
+            <a:pPr algn="ctr"/>
+            <a:endParaRPr lang="en-US"/>
+          </a:p>
+        </p:txBody>
+      </p:sp>
+      <p:sp>
+        <p:nvSpPr>
+          <p:cNvPr id="19" name="Arrow: Left-Right 18">
+            <a:extLst>
+              <a:ext uri="{FF2B5EF4-FFF2-40B4-BE49-F238E27FC236}">
+                <a16:creationId xmlns:a16="http://schemas.microsoft.com/office/drawing/2014/main" id="{C24AD7F1-4E14-1A37-8105-B5E6646AD0B5}"/>
+              </a:ext>
+            </a:extLst>
+          </p:cNvPr>
+          <p:cNvSpPr/>
+          <p:nvPr/>
+        </p:nvSpPr>
+        <p:spPr>
+          <a:xfrm rot="19115223" flipV="1">
+            <a:off x="5136023" y="3236739"/>
+            <a:ext cx="1630968" cy="258694"/>
+          </a:xfrm>
+          <a:prstGeom prst="leftRightArrow">
+            <a:avLst/>
+          </a:prstGeom>
+          <a:solidFill>
+            <a:schemeClr val="accent1">
+              <a:lumMod val="20000"/>
+              <a:lumOff val="80000"/>
+            </a:schemeClr>
+          </a:solidFill>
+        </p:spPr>
+        <p:style>
+          <a:lnRef idx="2">
+            <a:schemeClr val="accent1">
+              <a:shade val="15000"/>
+            </a:schemeClr>
+          </a:lnRef>
+          <a:fillRef idx="1">
+            <a:schemeClr val="accent1"/>
+          </a:fillRef>
+          <a:effectRef idx="0">
+            <a:schemeClr val="accent1"/>
+          </a:effectRef>
+          <a:fontRef idx="minor">
+            <a:schemeClr val="lt1"/>
+          </a:fontRef>
+        </p:style>
+        <p:txBody>
+          <a:bodyPr rtlCol="0" anchor="ctr"/>
+          <a:lstStyle/>
+          <a:p>
+            <a:pPr algn="ctr"/>
+            <a:endParaRPr lang="en-US"/>
+          </a:p>
+        </p:txBody>
+      </p:sp>
+      <p:sp>
+        <p:nvSpPr>
+          <p:cNvPr id="20" name="Arrow: Left-Right 19">
+            <a:extLst>
+              <a:ext uri="{FF2B5EF4-FFF2-40B4-BE49-F238E27FC236}">
+                <a16:creationId xmlns:a16="http://schemas.microsoft.com/office/drawing/2014/main" id="{34F275D8-7603-A015-214A-B72B1AE49F04}"/>
+              </a:ext>
+            </a:extLst>
+          </p:cNvPr>
+          <p:cNvSpPr/>
+          <p:nvPr/>
+        </p:nvSpPr>
+        <p:spPr>
+          <a:xfrm flipV="1">
+            <a:off x="7710871" y="2209833"/>
+            <a:ext cx="1692807" cy="258694"/>
+          </a:xfrm>
+          <a:prstGeom prst="leftRightArrow">
+            <a:avLst/>
+          </a:prstGeom>
+          <a:solidFill>
+            <a:schemeClr val="accent1">
+              <a:lumMod val="20000"/>
+              <a:lumOff val="80000"/>
+            </a:schemeClr>
+          </a:solidFill>
+        </p:spPr>
+        <p:style>
+          <a:lnRef idx="2">
+            <a:schemeClr val="accent1">
+              <a:shade val="15000"/>
+            </a:schemeClr>
+          </a:lnRef>
+          <a:fillRef idx="1">
+            <a:schemeClr val="accent1"/>
+          </a:fillRef>
+          <a:effectRef idx="0">
+            <a:schemeClr val="accent1"/>
+          </a:effectRef>
+          <a:fontRef idx="minor">
+            <a:schemeClr val="lt1"/>
+          </a:fontRef>
+        </p:style>
+        <p:txBody>
+          <a:bodyPr rtlCol="0" anchor="ctr"/>
+          <a:lstStyle/>
+          <a:p>
+            <a:pPr algn="ctr"/>
+            <a:endParaRPr lang="en-US"/>
+          </a:p>
+        </p:txBody>
+      </p:sp>
+      <p:pic>
+        <p:nvPicPr>
+          <p:cNvPr id="11270" name="Picture 6" descr="Choosing the Right RFIC Design Partner">
+            <a:extLst>
+              <a:ext uri="{FF2B5EF4-FFF2-40B4-BE49-F238E27FC236}">
+                <a16:creationId xmlns:a16="http://schemas.microsoft.com/office/drawing/2014/main" id="{87C55D30-F153-6C10-805B-9869B273AF56}"/>
+              </a:ext>
+            </a:extLst>
+          </p:cNvPr>
+          <p:cNvPicPr>
+            <a:picLocks noChangeAspect="1" noChangeArrowheads="1"/>
+          </p:cNvPicPr>
+          <p:nvPr/>
+        </p:nvPicPr>
+        <p:blipFill>
+          <a:blip r:embed="rId5">
+            <a:extLst>
+              <a:ext uri="{28A0092B-C50C-407E-A947-70E740481C1C}">
+                <a14:useLocalDpi xmlns:a14="http://schemas.microsoft.com/office/drawing/2010/main" val="0"/>
+              </a:ext>
+            </a:extLst>
+          </a:blip>
+          <a:srcRect/>
+          <a:stretch>
+            <a:fillRect/>
+          </a:stretch>
+        </p:blipFill>
+        <p:spPr bwMode="auto">
+          <a:xfrm>
+            <a:off x="9673307" y="1877057"/>
+            <a:ext cx="1823982" cy="918469"/>
+          </a:xfrm>
+          <a:prstGeom prst="rect">
+            <a:avLst/>
+          </a:prstGeom>
+          <a:noFill/>
+          <a:extLst>
+            <a:ext uri="{909E8E84-426E-40DD-AFC4-6F175D3DCCD1}">
+              <a14:hiddenFill xmlns:a14="http://schemas.microsoft.com/office/drawing/2010/main">
+                <a:solidFill>
+                  <a:srgbClr val="FFFFFF"/>
+                </a:solidFill>
+              </a14:hiddenFill>
+            </a:ext>
+          </a:extLst>
+        </p:spPr>
+      </p:pic>
+      <p:sp>
+        <p:nvSpPr>
+          <p:cNvPr id="21" name="TextBox 20">
+            <a:extLst>
+              <a:ext uri="{FF2B5EF4-FFF2-40B4-BE49-F238E27FC236}">
+                <a16:creationId xmlns:a16="http://schemas.microsoft.com/office/drawing/2014/main" id="{17DF7769-D3F0-EE56-88A5-52B8ECB8A87B}"/>
+              </a:ext>
+            </a:extLst>
+          </p:cNvPr>
+          <p:cNvSpPr txBox="1"/>
+          <p:nvPr/>
+        </p:nvSpPr>
+        <p:spPr>
+          <a:xfrm>
+            <a:off x="8068485" y="1843567"/>
+            <a:ext cx="1094146" cy="338554"/>
+          </a:xfrm>
+          <a:prstGeom prst="rect">
+            <a:avLst/>
+          </a:prstGeom>
+          <a:noFill/>
+        </p:spPr>
+        <p:txBody>
+          <a:bodyPr wrap="none" rtlCol="0">
+            <a:spAutoFit/>
+          </a:bodyPr>
+          <a:lstStyle/>
+          <a:p>
+            <a:r>
+              <a:rPr lang="en-US" sz="1600" dirty="0" err="1"/>
+              <a:t>Gsamps</a:t>
+            </a:r>
+            <a:r>
+              <a:rPr lang="en-US" sz="1600" dirty="0"/>
+              <a:t> / s</a:t>
+            </a:r>
+          </a:p>
+        </p:txBody>
+      </p:sp>
     </p:spTree>
     <p:extLst>
       <p:ext uri="{BB962C8B-B14F-4D97-AF65-F5344CB8AC3E}">
-        <p14:creationId xmlns:p14="http://schemas.microsoft.com/office/powerpoint/2010/main" val="2128923100"/>
+        <p14:creationId xmlns:p14="http://schemas.microsoft.com/office/powerpoint/2010/main" val="290173976"/>
       </p:ext>
     </p:extLst>
   </p:cSld>
@@ -11278,7 +11209,7 @@
           <p:cNvPr id="2" name="Title 1">
             <a:extLst>
               <a:ext uri="{FF2B5EF4-FFF2-40B4-BE49-F238E27FC236}">
-                <a16:creationId xmlns:a16="http://schemas.microsoft.com/office/drawing/2014/main" id="{3D0D6B1D-AFEE-66FF-281F-2B6E03B3F66D}"/>
+                <a16:creationId xmlns:a16="http://schemas.microsoft.com/office/drawing/2014/main" id="{EE35AC84-E245-98CD-8B48-37EFE406EB14}"/>
               </a:ext>
             </a:extLst>
           </p:cNvPr>
@@ -11296,8 +11227,94 @@
           <a:p>
             <a:r>
               <a:rPr lang="en-US" dirty="0"/>
-              <a:t>Turnaround Time Contrasted</a:t>
-            </a:r>
+              <a:t>Example:  </a:t>
+            </a:r>
+            <a:r>
+              <a:rPr lang="en-US" dirty="0" err="1"/>
+              <a:t>Robomorphic</a:t>
+            </a:r>
+            <a:r>
+              <a:rPr lang="en-US" dirty="0"/>
+              <a:t> Computing</a:t>
+            </a:r>
+          </a:p>
+        </p:txBody>
+      </p:sp>
+      <p:sp>
+        <p:nvSpPr>
+          <p:cNvPr id="3" name="Content Placeholder 2">
+            <a:extLst>
+              <a:ext uri="{FF2B5EF4-FFF2-40B4-BE49-F238E27FC236}">
+                <a16:creationId xmlns:a16="http://schemas.microsoft.com/office/drawing/2014/main" id="{DC8D9C84-B569-36FA-BF09-9F8B6D27658B}"/>
+              </a:ext>
+            </a:extLst>
+          </p:cNvPr>
+          <p:cNvSpPr>
+            <a:spLocks noGrp="1"/>
+          </p:cNvSpPr>
+          <p:nvPr>
+            <p:ph idx="1"/>
+          </p:nvPr>
+        </p:nvSpPr>
+        <p:spPr/>
+        <p:txBody>
+          <a:bodyPr/>
+          <a:lstStyle/>
+          <a:p>
+            <a:r>
+              <a:rPr lang="en-US" dirty="0"/>
+              <a:t>Custom accelerator for robotic computation</a:t>
+            </a:r>
+          </a:p>
+          <a:p>
+            <a:r>
+              <a:rPr lang="en-US" dirty="0"/>
+              <a:t>Performs complex kinematic simulations for:</a:t>
+            </a:r>
+          </a:p>
+          <a:p>
+            <a:pPr lvl="1"/>
+            <a:r>
+              <a:rPr lang="en-US" dirty="0"/>
+              <a:t>Model predictive control</a:t>
+            </a:r>
+          </a:p>
+          <a:p>
+            <a:pPr lvl="1"/>
+            <a:r>
+              <a:rPr lang="en-US" dirty="0"/>
+              <a:t>Path planning</a:t>
+            </a:r>
+          </a:p>
+          <a:p>
+            <a:r>
+              <a:rPr lang="en-US" dirty="0"/>
+              <a:t>Key challenge:</a:t>
+            </a:r>
+          </a:p>
+          <a:p>
+            <a:pPr lvl="1"/>
+            <a:r>
+              <a:rPr lang="en-US" dirty="0"/>
+              <a:t>How do you describe robot morphology?</a:t>
+            </a:r>
+          </a:p>
+          <a:p>
+            <a:pPr lvl="1"/>
+            <a:r>
+              <a:rPr lang="en-US" dirty="0"/>
+              <a:t>Need a general structure applicable to many robots</a:t>
+            </a:r>
+          </a:p>
+          <a:p>
+            <a:pPr lvl="1"/>
+            <a:r>
+              <a:rPr lang="en-US" dirty="0"/>
+              <a:t>Many algorithms</a:t>
+            </a:r>
+          </a:p>
+          <a:p>
+            <a:endParaRPr lang="en-US" dirty="0"/>
           </a:p>
         </p:txBody>
       </p:sp>
@@ -11306,7 +11323,7 @@
           <p:cNvPr id="4" name="Slide Number Placeholder 3">
             <a:extLst>
               <a:ext uri="{FF2B5EF4-FFF2-40B4-BE49-F238E27FC236}">
-                <a16:creationId xmlns:a16="http://schemas.microsoft.com/office/drawing/2014/main" id="{0CE1C5BB-FA82-57C4-2B71-CA4B5E10503F}"/>
+                <a16:creationId xmlns:a16="http://schemas.microsoft.com/office/drawing/2014/main" id="{205FB40B-0157-4203-791C-6519DEEEEF4F}"/>
               </a:ext>
             </a:extLst>
           </p:cNvPr>
@@ -11325,6 +11342,526 @@
             <a:fld id="{629637A9-119A-49DA-BD12-AAC58B377D80}" type="slidenum">
               <a:rPr lang="en-US" smtClean="0"/>
               <a:t>24</a:t>
+            </a:fld>
+            <a:endParaRPr lang="en-US" dirty="0"/>
+          </a:p>
+        </p:txBody>
+      </p:sp>
+      <p:pic>
+        <p:nvPicPr>
+          <p:cNvPr id="6" name="Picture 5">
+            <a:extLst>
+              <a:ext uri="{FF2B5EF4-FFF2-40B4-BE49-F238E27FC236}">
+                <a16:creationId xmlns:a16="http://schemas.microsoft.com/office/drawing/2014/main" id="{589F3710-DFAA-8527-FC92-B0C34895F828}"/>
+              </a:ext>
+            </a:extLst>
+          </p:cNvPr>
+          <p:cNvPicPr>
+            <a:picLocks noChangeAspect="1"/>
+          </p:cNvPicPr>
+          <p:nvPr/>
+        </p:nvPicPr>
+        <p:blipFill>
+          <a:blip r:embed="rId2"/>
+          <a:stretch>
+            <a:fillRect/>
+          </a:stretch>
+        </p:blipFill>
+        <p:spPr>
+          <a:xfrm>
+            <a:off x="7159334" y="1825373"/>
+            <a:ext cx="4172532" cy="3600953"/>
+          </a:xfrm>
+          <a:prstGeom prst="rect">
+            <a:avLst/>
+          </a:prstGeom>
+        </p:spPr>
+      </p:pic>
+      <p:sp>
+        <p:nvSpPr>
+          <p:cNvPr id="8" name="TextBox 7">
+            <a:extLst>
+              <a:ext uri="{FF2B5EF4-FFF2-40B4-BE49-F238E27FC236}">
+                <a16:creationId xmlns:a16="http://schemas.microsoft.com/office/drawing/2014/main" id="{D0CB9A43-6499-6C86-8633-423F1A427A3D}"/>
+              </a:ext>
+            </a:extLst>
+          </p:cNvPr>
+          <p:cNvSpPr txBox="1"/>
+          <p:nvPr/>
+        </p:nvSpPr>
+        <p:spPr>
+          <a:xfrm>
+            <a:off x="736600" y="4985760"/>
+            <a:ext cx="6096000" cy="769441"/>
+          </a:xfrm>
+          <a:prstGeom prst="rect">
+            <a:avLst/>
+          </a:prstGeom>
+          <a:noFill/>
+        </p:spPr>
+        <p:txBody>
+          <a:bodyPr wrap="square">
+            <a:spAutoFit/>
+          </a:bodyPr>
+          <a:lstStyle/>
+          <a:p>
+            <a:r>
+              <a:rPr lang="en-US" sz="1100" b="0" i="0" dirty="0">
+                <a:solidFill>
+                  <a:srgbClr val="222222"/>
+                </a:solidFill>
+                <a:effectLst/>
+                <a:latin typeface="Arial" panose="020B0604020202020204" pitchFamily="34" charset="0"/>
+              </a:rPr>
+              <a:t>Neuman, S. M., Plancher, B., </a:t>
+            </a:r>
+            <a:r>
+              <a:rPr lang="en-US" sz="1100" b="0" i="0" dirty="0" err="1">
+                <a:solidFill>
+                  <a:srgbClr val="222222"/>
+                </a:solidFill>
+                <a:effectLst/>
+                <a:latin typeface="Arial" panose="020B0604020202020204" pitchFamily="34" charset="0"/>
+              </a:rPr>
+              <a:t>Bourgeat</a:t>
+            </a:r>
+            <a:r>
+              <a:rPr lang="en-US" sz="1100" b="0" i="0" dirty="0">
+                <a:solidFill>
+                  <a:srgbClr val="222222"/>
+                </a:solidFill>
+                <a:effectLst/>
+                <a:latin typeface="Arial" panose="020B0604020202020204" pitchFamily="34" charset="0"/>
+              </a:rPr>
+              <a:t>, T., Tambe, T., Devadas, S., &amp; Reddi, V. J. (2021, April). </a:t>
+            </a:r>
+            <a:r>
+              <a:rPr lang="en-US" sz="1100" b="0" i="0" dirty="0" err="1">
+                <a:solidFill>
+                  <a:srgbClr val="222222"/>
+                </a:solidFill>
+                <a:effectLst/>
+                <a:latin typeface="Arial" panose="020B0604020202020204" pitchFamily="34" charset="0"/>
+              </a:rPr>
+              <a:t>Robomorphic</a:t>
+            </a:r>
+            <a:r>
+              <a:rPr lang="en-US" sz="1100" b="0" i="0" dirty="0">
+                <a:solidFill>
+                  <a:srgbClr val="222222"/>
+                </a:solidFill>
+                <a:effectLst/>
+                <a:latin typeface="Arial" panose="020B0604020202020204" pitchFamily="34" charset="0"/>
+              </a:rPr>
+              <a:t> computing: a design methodology for domain-specific accelerators parameterized by robot morphology. In </a:t>
+            </a:r>
+            <a:r>
+              <a:rPr lang="en-US" sz="1100" b="0" i="1" dirty="0">
+                <a:solidFill>
+                  <a:srgbClr val="222222"/>
+                </a:solidFill>
+                <a:effectLst/>
+                <a:latin typeface="Arial" panose="020B0604020202020204" pitchFamily="34" charset="0"/>
+              </a:rPr>
+              <a:t>Proceedings of the 26th ACM International Conference on Architectural Support for Programming Languages and Operating Systems</a:t>
+            </a:r>
+            <a:r>
+              <a:rPr lang="en-US" sz="1100" b="0" i="0" dirty="0">
+                <a:solidFill>
+                  <a:srgbClr val="222222"/>
+                </a:solidFill>
+                <a:effectLst/>
+                <a:latin typeface="Arial" panose="020B0604020202020204" pitchFamily="34" charset="0"/>
+              </a:rPr>
+              <a:t> (pp. 674-686).</a:t>
+            </a:r>
+            <a:endParaRPr lang="en-US" sz="1100" dirty="0"/>
+          </a:p>
+        </p:txBody>
+      </p:sp>
+    </p:spTree>
+    <p:extLst>
+      <p:ext uri="{BB962C8B-B14F-4D97-AF65-F5344CB8AC3E}">
+        <p14:creationId xmlns:p14="http://schemas.microsoft.com/office/powerpoint/2010/main" val="3796720800"/>
+      </p:ext>
+    </p:extLst>
+  </p:cSld>
+  <p:clrMapOvr>
+    <a:masterClrMapping/>
+  </p:clrMapOvr>
+</p:sld>
+</file>
+
+<file path=ppt/slides/slide25.xml><?xml version="1.0" encoding="utf-8"?>
+<p:sld xmlns:a="http://schemas.openxmlformats.org/drawingml/2006/main" xmlns:r="http://schemas.openxmlformats.org/officeDocument/2006/relationships" xmlns:p="http://schemas.openxmlformats.org/presentationml/2006/main">
+  <p:cSld>
+    <p:spTree>
+      <p:nvGrpSpPr>
+        <p:cNvPr id="1" name=""/>
+        <p:cNvGrpSpPr/>
+        <p:nvPr/>
+      </p:nvGrpSpPr>
+      <p:grpSpPr>
+        <a:xfrm>
+          <a:off x="0" y="0"/>
+          <a:ext cx="0" cy="0"/>
+          <a:chOff x="0" y="0"/>
+          <a:chExt cx="0" cy="0"/>
+        </a:xfrm>
+      </p:grpSpPr>
+      <p:sp>
+        <p:nvSpPr>
+          <p:cNvPr id="2" name="Title 1">
+            <a:extLst>
+              <a:ext uri="{FF2B5EF4-FFF2-40B4-BE49-F238E27FC236}">
+                <a16:creationId xmlns:a16="http://schemas.microsoft.com/office/drawing/2014/main" id="{195EA058-777E-2005-7139-E1069CD1B945}"/>
+              </a:ext>
+            </a:extLst>
+          </p:cNvPr>
+          <p:cNvSpPr>
+            <a:spLocks noGrp="1"/>
+          </p:cNvSpPr>
+          <p:nvPr>
+            <p:ph type="title"/>
+          </p:nvPr>
+        </p:nvSpPr>
+        <p:spPr/>
+        <p:txBody>
+          <a:bodyPr/>
+          <a:lstStyle/>
+          <a:p>
+            <a:r>
+              <a:rPr lang="en-US" dirty="0"/>
+              <a:t>FPGA vs. ASIC</a:t>
+            </a:r>
+          </a:p>
+        </p:txBody>
+      </p:sp>
+      <p:sp>
+        <p:nvSpPr>
+          <p:cNvPr id="3" name="Content Placeholder 2">
+            <a:extLst>
+              <a:ext uri="{FF2B5EF4-FFF2-40B4-BE49-F238E27FC236}">
+                <a16:creationId xmlns:a16="http://schemas.microsoft.com/office/drawing/2014/main" id="{1CBDB4AD-2F04-29E8-BF6F-B5111D36AD68}"/>
+              </a:ext>
+            </a:extLst>
+          </p:cNvPr>
+          <p:cNvSpPr>
+            <a:spLocks noGrp="1"/>
+          </p:cNvSpPr>
+          <p:nvPr>
+            <p:ph idx="1"/>
+          </p:nvPr>
+        </p:nvSpPr>
+        <p:spPr/>
+        <p:txBody>
+          <a:bodyPr>
+            <a:normAutofit/>
+          </a:bodyPr>
+          <a:lstStyle/>
+          <a:p>
+            <a:r>
+              <a:rPr lang="en-US" dirty="0">
+                <a:solidFill>
+                  <a:schemeClr val="accent1">
+                    <a:lumMod val="60000"/>
+                    <a:lumOff val="40000"/>
+                  </a:schemeClr>
+                </a:solidFill>
+              </a:rPr>
+              <a:t>FPGA:  Field‑Programmable Gate Array</a:t>
+            </a:r>
+          </a:p>
+          <a:p>
+            <a:pPr lvl="1"/>
+            <a:r>
+              <a:rPr lang="en-US" dirty="0"/>
+              <a:t>Reconfigurable hardware</a:t>
+            </a:r>
+          </a:p>
+          <a:p>
+            <a:pPr lvl="1"/>
+            <a:r>
+              <a:rPr lang="en-US" dirty="0"/>
+              <a:t>Great for prototyping and teaching: no fabrication needed</a:t>
+            </a:r>
+          </a:p>
+          <a:p>
+            <a:pPr lvl="1"/>
+            <a:r>
+              <a:rPr lang="en-US" dirty="0"/>
+              <a:t>Slower and less power‑efficient than ASICs </a:t>
+            </a:r>
+          </a:p>
+          <a:p>
+            <a:pPr lvl="1"/>
+            <a:r>
+              <a:rPr lang="en-US" dirty="0"/>
+              <a:t>Research, rapid development, low‑volume products, networking gear, some accelerators</a:t>
+            </a:r>
+          </a:p>
+          <a:p>
+            <a:r>
+              <a:rPr lang="en-US" dirty="0">
+                <a:solidFill>
+                  <a:schemeClr val="accent1">
+                    <a:lumMod val="60000"/>
+                    <a:lumOff val="40000"/>
+                  </a:schemeClr>
+                </a:solidFill>
+              </a:rPr>
+              <a:t>ASIC:  Application‑Specific Integrated Circuit</a:t>
+            </a:r>
+          </a:p>
+          <a:p>
+            <a:pPr lvl="1"/>
+            <a:r>
+              <a:rPr lang="en-US" dirty="0"/>
+              <a:t>Custom hardware chip designed for one purpose (e.g., video codec, 5G modem, ML accelerator)</a:t>
+            </a:r>
+          </a:p>
+          <a:p>
+            <a:pPr lvl="1"/>
+            <a:r>
+              <a:rPr lang="en-US" dirty="0"/>
+              <a:t>Much faster and more power‑efficient than FPGAs</a:t>
+            </a:r>
+          </a:p>
+          <a:p>
+            <a:pPr lvl="1"/>
+            <a:r>
+              <a:rPr lang="en-US" dirty="0"/>
+              <a:t>Cannot be changed after fabrication — the design is permanent</a:t>
+            </a:r>
+          </a:p>
+          <a:p>
+            <a:pPr lvl="1"/>
+            <a:r>
+              <a:rPr lang="en-US" dirty="0"/>
+              <a:t>Manufactured (“fabricated”) at a semiconductor foundry</a:t>
+            </a:r>
+          </a:p>
+          <a:p>
+            <a:pPr lvl="1"/>
+            <a:r>
+              <a:rPr lang="en-US" dirty="0"/>
+              <a:t>Ex:  TSMC, </a:t>
+            </a:r>
+          </a:p>
+          <a:p>
+            <a:pPr lvl="1"/>
+            <a:r>
+              <a:rPr lang="en-US" dirty="0"/>
+              <a:t>Smartphones, GPUs, Automotive, …</a:t>
+            </a:r>
+          </a:p>
+        </p:txBody>
+      </p:sp>
+      <p:sp>
+        <p:nvSpPr>
+          <p:cNvPr id="4" name="Slide Number Placeholder 3">
+            <a:extLst>
+              <a:ext uri="{FF2B5EF4-FFF2-40B4-BE49-F238E27FC236}">
+                <a16:creationId xmlns:a16="http://schemas.microsoft.com/office/drawing/2014/main" id="{31C13599-48FA-323F-4365-2209B7358C35}"/>
+              </a:ext>
+            </a:extLst>
+          </p:cNvPr>
+          <p:cNvSpPr>
+            <a:spLocks noGrp="1"/>
+          </p:cNvSpPr>
+          <p:nvPr>
+            <p:ph type="sldNum" sz="quarter" idx="12"/>
+          </p:nvPr>
+        </p:nvSpPr>
+        <p:spPr/>
+        <p:txBody>
+          <a:bodyPr/>
+          <a:lstStyle/>
+          <a:p>
+            <a:fld id="{629637A9-119A-49DA-BD12-AAC58B377D80}" type="slidenum">
+              <a:rPr lang="en-US" smtClean="0"/>
+              <a:t>25</a:t>
+            </a:fld>
+            <a:endParaRPr lang="en-US" dirty="0"/>
+          </a:p>
+        </p:txBody>
+      </p:sp>
+      <p:pic>
+        <p:nvPicPr>
+          <p:cNvPr id="5" name="Picture 4" descr="A Guide to Xilinx FPGA Naming Standards">
+            <a:extLst>
+              <a:ext uri="{FF2B5EF4-FFF2-40B4-BE49-F238E27FC236}">
+                <a16:creationId xmlns:a16="http://schemas.microsoft.com/office/drawing/2014/main" id="{FC46BC06-5C87-443F-C7CD-A4C3B8D7EEA7}"/>
+              </a:ext>
+            </a:extLst>
+          </p:cNvPr>
+          <p:cNvPicPr>
+            <a:picLocks noChangeAspect="1" noChangeArrowheads="1"/>
+          </p:cNvPicPr>
+          <p:nvPr/>
+        </p:nvPicPr>
+        <p:blipFill>
+          <a:blip r:embed="rId2">
+            <a:extLst>
+              <a:ext uri="{28A0092B-C50C-407E-A947-70E740481C1C}">
+                <a14:useLocalDpi xmlns:a14="http://schemas.microsoft.com/office/drawing/2010/main" val="0"/>
+              </a:ext>
+            </a:extLst>
+          </a:blip>
+          <a:srcRect/>
+          <a:stretch>
+            <a:fillRect/>
+          </a:stretch>
+        </p:blipFill>
+        <p:spPr bwMode="auto">
+          <a:xfrm>
+            <a:off x="9254526" y="1326814"/>
+            <a:ext cx="1895688" cy="1256924"/>
+          </a:xfrm>
+          <a:prstGeom prst="rect">
+            <a:avLst/>
+          </a:prstGeom>
+          <a:noFill/>
+          <a:extLst>
+            <a:ext uri="{909E8E84-426E-40DD-AFC4-6F175D3DCCD1}">
+              <a14:hiddenFill xmlns:a14="http://schemas.microsoft.com/office/drawing/2010/main">
+                <a:solidFill>
+                  <a:srgbClr val="FFFFFF"/>
+                </a:solidFill>
+              </a14:hiddenFill>
+            </a:ext>
+          </a:extLst>
+        </p:spPr>
+      </p:pic>
+      <p:pic>
+        <p:nvPicPr>
+          <p:cNvPr id="6" name="Picture 6" descr="Plot of ASIC layout submitted for ...">
+            <a:extLst>
+              <a:ext uri="{FF2B5EF4-FFF2-40B4-BE49-F238E27FC236}">
+                <a16:creationId xmlns:a16="http://schemas.microsoft.com/office/drawing/2014/main" id="{F22938C4-AFBE-FBCA-9CCB-6588355D31C3}"/>
+              </a:ext>
+            </a:extLst>
+          </p:cNvPr>
+          <p:cNvPicPr>
+            <a:picLocks noChangeAspect="1" noChangeArrowheads="1"/>
+          </p:cNvPicPr>
+          <p:nvPr/>
+        </p:nvPicPr>
+        <p:blipFill>
+          <a:blip r:embed="rId3">
+            <a:extLst>
+              <a:ext uri="{28A0092B-C50C-407E-A947-70E740481C1C}">
+                <a14:useLocalDpi xmlns:a14="http://schemas.microsoft.com/office/drawing/2010/main" val="0"/>
+              </a:ext>
+            </a:extLst>
+          </a:blip>
+          <a:srcRect/>
+          <a:stretch>
+            <a:fillRect/>
+          </a:stretch>
+        </p:blipFill>
+        <p:spPr bwMode="auto">
+          <a:xfrm>
+            <a:off x="9198766" y="4268160"/>
+            <a:ext cx="1608080" cy="1600934"/>
+          </a:xfrm>
+          <a:prstGeom prst="rect">
+            <a:avLst/>
+          </a:prstGeom>
+          <a:noFill/>
+          <a:extLst>
+            <a:ext uri="{909E8E84-426E-40DD-AFC4-6F175D3DCCD1}">
+              <a14:hiddenFill xmlns:a14="http://schemas.microsoft.com/office/drawing/2010/main">
+                <a:solidFill>
+                  <a:srgbClr val="FFFFFF"/>
+                </a:solidFill>
+              </a14:hiddenFill>
+            </a:ext>
+          </a:extLst>
+        </p:spPr>
+      </p:pic>
+    </p:spTree>
+    <p:extLst>
+      <p:ext uri="{BB962C8B-B14F-4D97-AF65-F5344CB8AC3E}">
+        <p14:creationId xmlns:p14="http://schemas.microsoft.com/office/powerpoint/2010/main" val="2128923100"/>
+      </p:ext>
+    </p:extLst>
+  </p:cSld>
+  <p:clrMapOvr>
+    <a:masterClrMapping/>
+  </p:clrMapOvr>
+</p:sld>
+</file>
+
+<file path=ppt/slides/slide26.xml><?xml version="1.0" encoding="utf-8"?>
+<p:sld xmlns:a="http://schemas.openxmlformats.org/drawingml/2006/main" xmlns:r="http://schemas.openxmlformats.org/officeDocument/2006/relationships" xmlns:p="http://schemas.openxmlformats.org/presentationml/2006/main">
+  <p:cSld>
+    <p:spTree>
+      <p:nvGrpSpPr>
+        <p:cNvPr id="1" name=""/>
+        <p:cNvGrpSpPr/>
+        <p:nvPr/>
+      </p:nvGrpSpPr>
+      <p:grpSpPr>
+        <a:xfrm>
+          <a:off x="0" y="0"/>
+          <a:ext cx="0" cy="0"/>
+          <a:chOff x="0" y="0"/>
+          <a:chExt cx="0" cy="0"/>
+        </a:xfrm>
+      </p:grpSpPr>
+      <p:sp>
+        <p:nvSpPr>
+          <p:cNvPr id="2" name="Title 1">
+            <a:extLst>
+              <a:ext uri="{FF2B5EF4-FFF2-40B4-BE49-F238E27FC236}">
+                <a16:creationId xmlns:a16="http://schemas.microsoft.com/office/drawing/2014/main" id="{3D0D6B1D-AFEE-66FF-281F-2B6E03B3F66D}"/>
+              </a:ext>
+            </a:extLst>
+          </p:cNvPr>
+          <p:cNvSpPr>
+            <a:spLocks noGrp="1"/>
+          </p:cNvSpPr>
+          <p:nvPr>
+            <p:ph type="title"/>
+          </p:nvPr>
+        </p:nvSpPr>
+        <p:spPr/>
+        <p:txBody>
+          <a:bodyPr/>
+          <a:lstStyle/>
+          <a:p>
+            <a:r>
+              <a:rPr lang="en-US" dirty="0"/>
+              <a:t>Turnaround Time Contrasted</a:t>
+            </a:r>
+          </a:p>
+        </p:txBody>
+      </p:sp>
+      <p:sp>
+        <p:nvSpPr>
+          <p:cNvPr id="4" name="Slide Number Placeholder 3">
+            <a:extLst>
+              <a:ext uri="{FF2B5EF4-FFF2-40B4-BE49-F238E27FC236}">
+                <a16:creationId xmlns:a16="http://schemas.microsoft.com/office/drawing/2014/main" id="{0CE1C5BB-FA82-57C4-2B71-CA4B5E10503F}"/>
+              </a:ext>
+            </a:extLst>
+          </p:cNvPr>
+          <p:cNvSpPr>
+            <a:spLocks noGrp="1"/>
+          </p:cNvSpPr>
+          <p:nvPr>
+            <p:ph type="sldNum" sz="quarter" idx="12"/>
+          </p:nvPr>
+        </p:nvSpPr>
+        <p:spPr/>
+        <p:txBody>
+          <a:bodyPr/>
+          <a:lstStyle/>
+          <a:p>
+            <a:fld id="{629637A9-119A-49DA-BD12-AAC58B377D80}" type="slidenum">
+              <a:rPr lang="en-US" smtClean="0"/>
+              <a:t>26</a:t>
             </a:fld>
             <a:endParaRPr lang="en-US" dirty="0"/>
           </a:p>
@@ -13675,7 +14212,7 @@
 </p:sld>
 </file>
 
-<file path=ppt/slides/slide25.xml><?xml version="1.0" encoding="utf-8"?>
+<file path=ppt/slides/slide27.xml><?xml version="1.0" encoding="utf-8"?>
 <p:sld xmlns:a="http://schemas.openxmlformats.org/drawingml/2006/main" xmlns:r="http://schemas.openxmlformats.org/officeDocument/2006/relationships" xmlns:p="http://schemas.openxmlformats.org/presentationml/2006/main">
   <p:cSld>
     <p:spTree>
@@ -13697,7 +14234,7 @@
           <p:cNvPr id="2" name="Title 1">
             <a:extLst>
               <a:ext uri="{FF2B5EF4-FFF2-40B4-BE49-F238E27FC236}">
-                <a16:creationId xmlns:a16="http://schemas.microsoft.com/office/drawing/2014/main" id="{C3901BDE-1EC8-9E2C-4B3E-2CFF8C265559}"/>
+                <a16:creationId xmlns:a16="http://schemas.microsoft.com/office/drawing/2014/main" id="{5902BE6B-C965-3B9C-18C9-DBAA35FD715F}"/>
               </a:ext>
             </a:extLst>
           </p:cNvPr>
@@ -13710,12 +14247,103 @@
         </p:nvSpPr>
         <p:spPr/>
         <p:txBody>
+          <a:bodyPr>
+            <a:normAutofit fontScale="90000"/>
+          </a:bodyPr>
+          <a:lstStyle/>
+          <a:p>
+            <a:r>
+              <a:rPr lang="en-US" dirty="0"/>
+              <a:t>Three Conceptual Challenges for Hardware</a:t>
+            </a:r>
+          </a:p>
+        </p:txBody>
+      </p:sp>
+      <p:sp>
+        <p:nvSpPr>
+          <p:cNvPr id="3" name="Content Placeholder 2">
+            <a:extLst>
+              <a:ext uri="{FF2B5EF4-FFF2-40B4-BE49-F238E27FC236}">
+                <a16:creationId xmlns:a16="http://schemas.microsoft.com/office/drawing/2014/main" id="{D0F07AB2-745A-70C6-B819-350F0A46A4E8}"/>
+              </a:ext>
+            </a:extLst>
+          </p:cNvPr>
+          <p:cNvSpPr>
+            <a:spLocks noGrp="1"/>
+          </p:cNvSpPr>
+          <p:nvPr>
+            <p:ph idx="1"/>
+          </p:nvPr>
+        </p:nvSpPr>
+        <p:spPr/>
+        <p:txBody>
           <a:bodyPr/>
           <a:lstStyle/>
           <a:p>
             <a:r>
               <a:rPr lang="en-US" dirty="0"/>
-              <a:t>HW Design Is Getting Easier</a:t>
+              <a:t>Concurrency</a:t>
+            </a:r>
+          </a:p>
+          <a:p>
+            <a:pPr lvl="1"/>
+            <a:r>
+              <a:rPr lang="en-US" dirty="0"/>
+              <a:t>Hardware modules run in parallel</a:t>
+            </a:r>
+          </a:p>
+          <a:p>
+            <a:pPr lvl="1"/>
+            <a:r>
+              <a:rPr lang="en-US" dirty="0"/>
+              <a:t>Like multi-threaded programs</a:t>
+            </a:r>
+          </a:p>
+          <a:p>
+            <a:pPr lvl="1"/>
+            <a:r>
+              <a:rPr lang="en-US" dirty="0"/>
+              <a:t>Must consider resource contention, information passing, …</a:t>
+            </a:r>
+          </a:p>
+          <a:p>
+            <a:r>
+              <a:rPr lang="en-US" dirty="0"/>
+              <a:t>Long turnaround time</a:t>
+            </a:r>
+          </a:p>
+          <a:p>
+            <a:pPr lvl="1"/>
+            <a:r>
+              <a:rPr lang="en-US" dirty="0"/>
+              <a:t>Need reliable simulation and test before fabrication</a:t>
+            </a:r>
+          </a:p>
+          <a:p>
+            <a:pPr lvl="1"/>
+            <a:r>
+              <a:rPr lang="en-US" dirty="0"/>
+              <a:t>High level of rigor</a:t>
+            </a:r>
+          </a:p>
+          <a:p>
+            <a:r>
+              <a:rPr lang="en-US" dirty="0"/>
+              <a:t>Need for interface abstraction</a:t>
+            </a:r>
+          </a:p>
+          <a:p>
+            <a:pPr lvl="1"/>
+            <a:r>
+              <a:rPr lang="en-US" dirty="0"/>
+              <a:t>Hardware must work over broad range of problems</a:t>
+            </a:r>
+          </a:p>
+          <a:p>
+            <a:pPr lvl="1"/>
+            <a:r>
+              <a:rPr lang="en-US" dirty="0"/>
+              <a:t>But provide gains specific to domain</a:t>
             </a:r>
           </a:p>
         </p:txBody>
@@ -13725,7 +14353,7 @@
           <p:cNvPr id="4" name="Slide Number Placeholder 3">
             <a:extLst>
               <a:ext uri="{FF2B5EF4-FFF2-40B4-BE49-F238E27FC236}">
-                <a16:creationId xmlns:a16="http://schemas.microsoft.com/office/drawing/2014/main" id="{1E5452C9-A8E5-0EBF-1169-0AA25817DB65}"/>
+                <a16:creationId xmlns:a16="http://schemas.microsoft.com/office/drawing/2014/main" id="{5CD0E918-5A19-A38F-D474-AC313F05285A}"/>
               </a:ext>
             </a:extLst>
           </p:cNvPr>
@@ -13743,7 +14371,94 @@
           <a:p>
             <a:fld id="{629637A9-119A-49DA-BD12-AAC58B377D80}" type="slidenum">
               <a:rPr lang="en-US" smtClean="0"/>
-              <a:t>25</a:t>
+              <a:t>27</a:t>
+            </a:fld>
+            <a:endParaRPr lang="en-US" dirty="0"/>
+          </a:p>
+        </p:txBody>
+      </p:sp>
+    </p:spTree>
+    <p:extLst>
+      <p:ext uri="{BB962C8B-B14F-4D97-AF65-F5344CB8AC3E}">
+        <p14:creationId xmlns:p14="http://schemas.microsoft.com/office/powerpoint/2010/main" val="570043704"/>
+      </p:ext>
+    </p:extLst>
+  </p:cSld>
+  <p:clrMapOvr>
+    <a:masterClrMapping/>
+  </p:clrMapOvr>
+</p:sld>
+</file>
+
+<file path=ppt/slides/slide28.xml><?xml version="1.0" encoding="utf-8"?>
+<p:sld xmlns:a="http://schemas.openxmlformats.org/drawingml/2006/main" xmlns:r="http://schemas.openxmlformats.org/officeDocument/2006/relationships" xmlns:p="http://schemas.openxmlformats.org/presentationml/2006/main">
+  <p:cSld>
+    <p:spTree>
+      <p:nvGrpSpPr>
+        <p:cNvPr id="1" name=""/>
+        <p:cNvGrpSpPr/>
+        <p:nvPr/>
+      </p:nvGrpSpPr>
+      <p:grpSpPr>
+        <a:xfrm>
+          <a:off x="0" y="0"/>
+          <a:ext cx="0" cy="0"/>
+          <a:chOff x="0" y="0"/>
+          <a:chExt cx="0" cy="0"/>
+        </a:xfrm>
+      </p:grpSpPr>
+      <p:sp>
+        <p:nvSpPr>
+          <p:cNvPr id="2" name="Title 1">
+            <a:extLst>
+              <a:ext uri="{FF2B5EF4-FFF2-40B4-BE49-F238E27FC236}">
+                <a16:creationId xmlns:a16="http://schemas.microsoft.com/office/drawing/2014/main" id="{C3901BDE-1EC8-9E2C-4B3E-2CFF8C265559}"/>
+              </a:ext>
+            </a:extLst>
+          </p:cNvPr>
+          <p:cNvSpPr>
+            <a:spLocks noGrp="1"/>
+          </p:cNvSpPr>
+          <p:nvPr>
+            <p:ph type="title"/>
+          </p:nvPr>
+        </p:nvSpPr>
+        <p:spPr/>
+        <p:txBody>
+          <a:bodyPr/>
+          <a:lstStyle/>
+          <a:p>
+            <a:r>
+              <a:rPr lang="en-US" dirty="0"/>
+              <a:t>HW Design Is Getting Easier</a:t>
+            </a:r>
+          </a:p>
+        </p:txBody>
+      </p:sp>
+      <p:sp>
+        <p:nvSpPr>
+          <p:cNvPr id="4" name="Slide Number Placeholder 3">
+            <a:extLst>
+              <a:ext uri="{FF2B5EF4-FFF2-40B4-BE49-F238E27FC236}">
+                <a16:creationId xmlns:a16="http://schemas.microsoft.com/office/drawing/2014/main" id="{1E5452C9-A8E5-0EBF-1169-0AA25817DB65}"/>
+              </a:ext>
+            </a:extLst>
+          </p:cNvPr>
+          <p:cNvSpPr>
+            <a:spLocks noGrp="1"/>
+          </p:cNvSpPr>
+          <p:nvPr>
+            <p:ph type="sldNum" sz="quarter" idx="12"/>
+          </p:nvPr>
+        </p:nvSpPr>
+        <p:spPr/>
+        <p:txBody>
+          <a:bodyPr/>
+          <a:lstStyle/>
+          <a:p>
+            <a:fld id="{629637A9-119A-49DA-BD12-AAC58B377D80}" type="slidenum">
+              <a:rPr lang="en-US" smtClean="0"/>
+              <a:t>28</a:t>
             </a:fld>
             <a:endParaRPr lang="en-US" dirty="0"/>
           </a:p>
@@ -14637,7 +15352,7 @@
 </p:sld>
 </file>
 
-<file path=ppt/slides/slide26.xml><?xml version="1.0" encoding="utf-8"?>
+<file path=ppt/slides/slide29.xml><?xml version="1.0" encoding="utf-8"?>
 <p:sld xmlns:a="http://schemas.openxmlformats.org/drawingml/2006/main" xmlns:r="http://schemas.openxmlformats.org/officeDocument/2006/relationships" xmlns:p="http://schemas.openxmlformats.org/presentationml/2006/main">
   <p:cSld>
     <p:spTree>
@@ -14792,7 +15507,7 @@
           <a:p>
             <a:fld id="{629637A9-119A-49DA-BD12-AAC58B377D80}" type="slidenum">
               <a:rPr lang="en-US" smtClean="0"/>
-              <a:t>26</a:t>
+              <a:t>29</a:t>
             </a:fld>
             <a:endParaRPr lang="en-US" dirty="0"/>
           </a:p>
@@ -16021,13 +16736,8 @@
             <a:pPr lvl="1"/>
             <a:r>
               <a:rPr lang="en-US" sz="2200" dirty="0"/>
-              <a:t>USB connection to your </a:t>
-            </a:r>
-            <a:r>
-              <a:rPr lang="en-US" sz="2200" dirty="0" err="1"/>
-              <a:t>laption</a:t>
-            </a:r>
-            <a:endParaRPr lang="en-US" sz="2200" dirty="0"/>
+              <a:t>USB connection to your laptop</a:t>
+            </a:r>
           </a:p>
           <a:p>
             <a:pPr lvl="1"/>
@@ -16314,6 +17024,14 @@
             </a:r>
             <a:r>
               <a:rPr lang="en-US" dirty="0" err="1"/>
+              <a:t>SystemVerilog</a:t>
+            </a:r>
+            <a:r>
+              <a:rPr lang="en-US" dirty="0"/>
+              <a:t> </a:t>
+            </a:r>
+            <a:r>
+              <a:rPr lang="en-US" dirty="0" err="1"/>
               <a:t>VitisHLS</a:t>
             </a:r>
             <a:endParaRPr lang="en-US" dirty="0"/>
@@ -16335,7 +17053,14 @@
           <a:p>
             <a:r>
               <a:rPr lang="en-US" dirty="0"/>
-              <a:t>Midterm and Final are in class and </a:t>
+              <a:t>Midterm and Final are in class</a:t>
+            </a:r>
+          </a:p>
+          <a:p>
+            <a:pPr lvl="1"/>
+            <a:r>
+              <a:rPr lang="en-US" dirty="0"/>
+              <a:t>Closed book, no electronic aids</a:t>
             </a:r>
           </a:p>
           <a:p>
